--- a/docs/images/softing-edgeconnector-siemens-architecture-diagram.pptx
+++ b/docs/images/softing-edgeconnector-siemens-architecture-diagram.pptx
@@ -3673,36 +3673,6 @@
           </p:spPr>
         </p:pic>
       </p:grpSp>
-      <p:pic>
-        <p:nvPicPr>
-          <p:cNvPr id="7" name="Picture 6"/>
-          <p:cNvPicPr>
-            <a:picLocks noChangeAspect="1"/>
-          </p:cNvPicPr>
-          <p:nvPr/>
-        </p:nvPicPr>
-        <p:blipFill>
-          <a:blip r:embed="rId25">
-            <a:extLst>
-              <a:ext uri="{28A0092B-C50C-407E-A947-70E740481C1C}">
-                <a14:useLocalDpi xmlns:a14="http://schemas.microsoft.com/office/drawing/2010/main" val="0"/>
-              </a:ext>
-            </a:extLst>
-          </a:blip>
-          <a:stretch>
-            <a:fillRect/>
-          </a:stretch>
-        </p:blipFill>
-        <p:spPr>
-          <a:xfrm>
-            <a:off x="961358" y="2285468"/>
-            <a:ext cx="1262650" cy="1306379"/>
-          </a:xfrm>
-          <a:prstGeom prst="rect">
-            <a:avLst/>
-          </a:prstGeom>
-        </p:spPr>
-      </p:pic>
       <p:grpSp>
         <p:nvGrpSpPr>
           <p:cNvPr id="25" name="Group 24"/>
@@ -3771,7 +3741,7 @@
             <p:nvPr/>
           </p:nvPicPr>
           <p:blipFill>
-            <a:blip r:embed="rId26">
+            <a:blip r:embed="rId25">
               <a:extLst>
                 <a:ext uri="{28A0092B-C50C-407E-A947-70E740481C1C}">
                   <a14:useLocalDpi xmlns:a14="http://schemas.microsoft.com/office/drawing/2010/main" val="0"/>
@@ -3817,6 +3787,36 @@
           </p:spPr>
         </p:pic>
       </p:grpSp>
+      <p:pic>
+        <p:nvPicPr>
+          <p:cNvPr id="31" name="Picture 30"/>
+          <p:cNvPicPr>
+            <a:picLocks noChangeAspect="1"/>
+          </p:cNvPicPr>
+          <p:nvPr/>
+        </p:nvPicPr>
+        <p:blipFill>
+          <a:blip r:embed="rId26">
+            <a:extLst>
+              <a:ext uri="{28A0092B-C50C-407E-A947-70E740481C1C}">
+                <a14:useLocalDpi xmlns:a14="http://schemas.microsoft.com/office/drawing/2010/main" val="0"/>
+              </a:ext>
+            </a:extLst>
+          </a:blip>
+          <a:stretch>
+            <a:fillRect/>
+          </a:stretch>
+        </p:blipFill>
+        <p:spPr>
+          <a:xfrm>
+            <a:off x="849608" y="2572228"/>
+            <a:ext cx="1400784" cy="988789"/>
+          </a:xfrm>
+          <a:prstGeom prst="rect">
+            <a:avLst/>
+          </a:prstGeom>
+        </p:spPr>
+      </p:pic>
     </p:spTree>
     <p:extLst>
       <p:ext uri="{BB962C8B-B14F-4D97-AF65-F5344CB8AC3E}">

--- a/docs/images/softing-edgeconnector-siemens-architecture-diagram.pptx
+++ b/docs/images/softing-edgeconnector-siemens-architecture-diagram.pptx
@@ -1118,8 +1118,8 @@
         </p:nvSpPr>
         <p:spPr>
           <a:xfrm>
-            <a:off x="2348647" y="1859540"/>
-            <a:ext cx="7563152" cy="2946376"/>
+            <a:off x="2551935" y="1859540"/>
+            <a:ext cx="7359864" cy="2884279"/>
           </a:xfrm>
           <a:prstGeom prst="rect">
             <a:avLst/>
@@ -1185,8 +1185,8 @@
         </p:nvSpPr>
         <p:spPr>
           <a:xfrm>
-            <a:off x="742454" y="1325526"/>
-            <a:ext cx="10864122" cy="5046921"/>
+            <a:off x="822826" y="1325526"/>
+            <a:ext cx="10783750" cy="5046921"/>
           </a:xfrm>
           <a:prstGeom prst="rect">
             <a:avLst/>
@@ -1270,7 +1270,7 @@
         </p:blipFill>
         <p:spPr>
           <a:xfrm>
-            <a:off x="742454" y="1325526"/>
+            <a:off x="820470" y="1325526"/>
             <a:ext cx="330200" cy="330200"/>
           </a:xfrm>
           <a:prstGeom prst="rect">
@@ -1306,7 +1306,7 @@
         </p:blipFill>
         <p:spPr>
           <a:xfrm>
-            <a:off x="2347495" y="1863072"/>
+            <a:off x="2551935" y="1856629"/>
             <a:ext cx="330200" cy="330200"/>
           </a:xfrm>
           <a:prstGeom prst="rect">
@@ -1413,8 +1413,8 @@
         </p:nvSpPr>
         <p:spPr>
           <a:xfrm>
-            <a:off x="2909875" y="2215332"/>
-            <a:ext cx="2605683" cy="2422830"/>
+            <a:off x="3082155" y="2200906"/>
+            <a:ext cx="2414016" cy="2422830"/>
           </a:xfrm>
           <a:prstGeom prst="rect">
             <a:avLst/>
@@ -1507,7 +1507,7 @@
         </p:blipFill>
         <p:spPr>
           <a:xfrm>
-            <a:off x="2918152" y="2223712"/>
+            <a:off x="3076441" y="2200906"/>
             <a:ext cx="313390" cy="274186"/>
           </a:xfrm>
           <a:prstGeom prst="rect">
@@ -1529,8 +1529,8 @@
         </p:nvSpPr>
         <p:spPr>
           <a:xfrm>
-            <a:off x="2737371" y="1547606"/>
-            <a:ext cx="2913385" cy="3392990"/>
+            <a:off x="2972659" y="1547606"/>
+            <a:ext cx="2678097" cy="3329194"/>
           </a:xfrm>
           <a:prstGeom prst="rect">
             <a:avLst/>
@@ -1597,7 +1597,7 @@
         </p:nvSpPr>
         <p:spPr>
           <a:xfrm>
-            <a:off x="3110924" y="3840719"/>
+            <a:off x="3215866" y="3813130"/>
             <a:ext cx="817252" cy="461665"/>
           </a:xfrm>
           <a:prstGeom prst="rect">
@@ -1764,7 +1764,7 @@
         <p:spPr>
           <a:xfrm>
             <a:off x="7072666" y="1537562"/>
-            <a:ext cx="2649733" cy="3392992"/>
+            <a:ext cx="2649733" cy="3339238"/>
           </a:xfrm>
           <a:prstGeom prst="rect">
             <a:avLst/>
@@ -1831,7 +1831,7 @@
         </p:nvSpPr>
         <p:spPr>
           <a:xfrm>
-            <a:off x="822826" y="3569708"/>
+            <a:off x="956979" y="3576171"/>
             <a:ext cx="1496752" cy="830997"/>
           </a:xfrm>
           <a:prstGeom prst="rect">
@@ -1928,7 +1928,7 @@
         </p:nvGrpSpPr>
         <p:grpSpPr>
           <a:xfrm>
-            <a:off x="9954756" y="3403660"/>
+            <a:off x="9933278" y="3327237"/>
             <a:ext cx="1651819" cy="1056001"/>
             <a:chOff x="9958940" y="2823692"/>
             <a:chExt cx="1651819" cy="1056001"/>
@@ -2845,7 +2845,7 @@
         </p:blipFill>
         <p:spPr bwMode="auto">
           <a:xfrm>
-            <a:off x="3329844" y="3451869"/>
+            <a:off x="3441284" y="3453250"/>
             <a:ext cx="379413" cy="379413"/>
           </a:xfrm>
           <a:prstGeom prst="rect">
@@ -2890,7 +2890,7 @@
         </p:nvSpPr>
         <p:spPr>
           <a:xfrm>
-            <a:off x="8607170" y="3845901"/>
+            <a:off x="8670115" y="3813337"/>
             <a:ext cx="817252" cy="461665"/>
           </a:xfrm>
           <a:prstGeom prst="rect">
@@ -2944,7 +2944,7 @@
         </p:blipFill>
         <p:spPr bwMode="auto">
           <a:xfrm>
-            <a:off x="8814521" y="3459540"/>
+            <a:off x="8891400" y="3453249"/>
             <a:ext cx="379413" cy="379413"/>
           </a:xfrm>
           <a:prstGeom prst="rect">
@@ -3004,7 +3004,7 @@
         </p:blipFill>
         <p:spPr bwMode="auto">
           <a:xfrm>
-            <a:off x="1382940" y="5066932"/>
+            <a:off x="1485334" y="5058588"/>
             <a:ext cx="762000" cy="762000"/>
           </a:xfrm>
           <a:prstGeom prst="rect">
@@ -3051,7 +3051,7 @@
         </p:nvSpPr>
         <p:spPr bwMode="auto">
           <a:xfrm>
-            <a:off x="624927" y="5796509"/>
+            <a:off x="766706" y="5789894"/>
             <a:ext cx="2268537" cy="461665"/>
           </a:xfrm>
           <a:prstGeom prst="rect">
@@ -3809,7 +3809,7 @@
         </p:blipFill>
         <p:spPr>
           <a:xfrm>
-            <a:off x="849608" y="2572228"/>
+            <a:off x="1004193" y="2572228"/>
             <a:ext cx="1400784" cy="988789"/>
           </a:xfrm>
           <a:prstGeom prst="rect">

--- a/docs/images/softing-edgeconnector-siemens-architecture-diagram.pptx
+++ b/docs/images/softing-edgeconnector-siemens-architecture-diagram.pptx
@@ -243,7 +243,7 @@
           <a:p>
             <a:fld id="{49A7721D-1176-A640-AC48-B82F78C92D56}" type="datetimeFigureOut">
               <a:rPr lang="en-US" smtClean="0"/>
-              <a:t>3/1/2021</a:t>
+              <a:t>3/5/2021</a:t>
             </a:fld>
             <a:endParaRPr lang="en-US"/>
           </a:p>
@@ -420,7 +420,7 @@
           <a:p>
             <a:fld id="{C884A089-FB25-6D46-9D21-F0F04A18BCA8}" type="datetimeFigureOut">
               <a:rPr lang="en-US" smtClean="0"/>
-              <a:t>3/1/2021</a:t>
+              <a:t>3/5/2021</a:t>
             </a:fld>
             <a:endParaRPr lang="en-US"/>
           </a:p>
@@ -1260,7 +1260,7 @@
           <a:blip r:embed="rId2">
             <a:extLst>
               <a:ext uri="{96DAC541-7B7A-43D3-8B79-37D633B846F1}">
-                <asvg:svgBlip xmlns:asvg="http://schemas.microsoft.com/office/drawing/2016/SVG/main" xmlns="" r:embed="rId3"/>
+                <asvg:svgBlip xmlns="" xmlns:asvg="http://schemas.microsoft.com/office/drawing/2016/SVG/main" r:embed="rId3"/>
               </a:ext>
             </a:extLst>
           </a:blip>
@@ -1296,7 +1296,7 @@
           <a:blip r:embed="rId4">
             <a:extLst>
               <a:ext uri="{96DAC541-7B7A-43D3-8B79-37D633B846F1}">
-                <asvg:svgBlip xmlns:asvg="http://schemas.microsoft.com/office/drawing/2016/SVG/main" xmlns="" r:embed="rId5"/>
+                <asvg:svgBlip xmlns="" xmlns:asvg="http://schemas.microsoft.com/office/drawing/2016/SVG/main" r:embed="rId5"/>
               </a:ext>
             </a:extLst>
           </a:blip>
@@ -1401,122 +1401,6 @@
       </p:pic>
       <p:sp>
         <p:nvSpPr>
-          <p:cNvPr id="56" name="Rectangle 55">
-            <a:extLst>
-              <a:ext uri="{FF2B5EF4-FFF2-40B4-BE49-F238E27FC236}">
-                <a16:creationId xmlns:a16="http://schemas.microsoft.com/office/drawing/2014/main" id="{1EE01857-225E-7741-A12B-8119C6FD5411}"/>
-              </a:ext>
-            </a:extLst>
-          </p:cNvPr>
-          <p:cNvSpPr/>
-          <p:nvPr/>
-        </p:nvSpPr>
-        <p:spPr>
-          <a:xfrm>
-            <a:off x="3082155" y="2200906"/>
-            <a:ext cx="2414016" cy="2422830"/>
-          </a:xfrm>
-          <a:prstGeom prst="rect">
-            <a:avLst/>
-          </a:prstGeom>
-          <a:solidFill>
-            <a:srgbClr val="1D8900">
-              <a:alpha val="9804"/>
-            </a:srgbClr>
-          </a:solidFill>
-          <a:ln w="6350">
-            <a:solidFill>
-              <a:srgbClr val="1D8900"/>
-            </a:solidFill>
-            <a:prstDash val="solid"/>
-          </a:ln>
-        </p:spPr>
-        <p:style>
-          <a:lnRef idx="2">
-            <a:schemeClr val="accent1">
-              <a:shade val="50000"/>
-            </a:schemeClr>
-          </a:lnRef>
-          <a:fillRef idx="1">
-            <a:schemeClr val="accent1"/>
-          </a:fillRef>
-          <a:effectRef idx="0">
-            <a:schemeClr val="accent1"/>
-          </a:effectRef>
-          <a:fontRef idx="minor">
-            <a:schemeClr val="lt1"/>
-          </a:fontRef>
-        </p:style>
-        <p:txBody>
-          <a:bodyPr rot="0" spcFirstLastPara="0" vertOverflow="overflow" horzOverflow="overflow" vert="horz" wrap="square" lIns="338328" tIns="45720" rIns="91440" bIns="45720" numCol="1" spcCol="0" rtlCol="0" fromWordArt="0" anchor="t" anchorCtr="0" forceAA="0" compatLnSpc="1">
-            <a:prstTxWarp prst="textNoShape">
-              <a:avLst/>
-            </a:prstTxWarp>
-            <a:noAutofit/>
-          </a:bodyPr>
-          <a:lstStyle/>
-          <a:p>
-            <a:r>
-              <a:rPr lang="en-US" sz="1000" dirty="0">
-                <a:solidFill>
-                  <a:srgbClr val="1E8900"/>
-                </a:solidFill>
-                <a:latin typeface="Arial"/>
-                <a:cs typeface="Arial"/>
-              </a:rPr>
-              <a:t> </a:t>
-            </a:r>
-            <a:r>
-              <a:rPr lang="en-US" sz="1200" dirty="0">
-                <a:solidFill>
-                  <a:srgbClr val="1E8900"/>
-                </a:solidFill>
-                <a:latin typeface="Arial"/>
-                <a:cs typeface="Arial"/>
-              </a:rPr>
-              <a:t>Public subnet</a:t>
-            </a:r>
-          </a:p>
-        </p:txBody>
-      </p:sp>
-      <p:pic>
-        <p:nvPicPr>
-          <p:cNvPr id="64" name="Graphic 63">
-            <a:extLst>
-              <a:ext uri="{FF2B5EF4-FFF2-40B4-BE49-F238E27FC236}">
-                <a16:creationId xmlns:a16="http://schemas.microsoft.com/office/drawing/2014/main" id="{EF801B6A-5039-A74B-9F9A-63AABA56CBE2}"/>
-              </a:ext>
-            </a:extLst>
-          </p:cNvPr>
-          <p:cNvPicPr>
-            <a:picLocks noChangeAspect="1"/>
-          </p:cNvPicPr>
-          <p:nvPr/>
-        </p:nvPicPr>
-        <p:blipFill>
-          <a:blip r:embed="rId7">
-            <a:extLst>
-              <a:ext uri="{96DAC541-7B7A-43D3-8B79-37D633B846F1}">
-                <asvg:svgBlip xmlns:asvg="http://schemas.microsoft.com/office/drawing/2016/SVG/main" xmlns="" r:embed="rId14"/>
-              </a:ext>
-            </a:extLst>
-          </a:blip>
-          <a:stretch>
-            <a:fillRect/>
-          </a:stretch>
-        </p:blipFill>
-        <p:spPr>
-          <a:xfrm>
-            <a:off x="3076441" y="2200906"/>
-            <a:ext cx="313390" cy="274186"/>
-          </a:xfrm>
-          <a:prstGeom prst="rect">
-            <a:avLst/>
-          </a:prstGeom>
-        </p:spPr>
-      </p:pic>
-      <p:sp>
-        <p:nvSpPr>
           <p:cNvPr id="60" name="Rectangle 59">
             <a:extLst>
               <a:ext uri="{FF2B5EF4-FFF2-40B4-BE49-F238E27FC236}">
@@ -1622,133 +1506,6 @@
           </a:p>
         </p:txBody>
       </p:sp>
-      <p:sp>
-        <p:nvSpPr>
-          <p:cNvPr id="99" name="Rectangle 98">
-            <a:extLst>
-              <a:ext uri="{FF2B5EF4-FFF2-40B4-BE49-F238E27FC236}">
-                <a16:creationId xmlns:a16="http://schemas.microsoft.com/office/drawing/2014/main" id="{910F636D-C547-4E2B-8863-F1262041F1F7}"/>
-              </a:ext>
-            </a:extLst>
-          </p:cNvPr>
-          <p:cNvSpPr/>
-          <p:nvPr/>
-        </p:nvSpPr>
-        <p:spPr>
-          <a:xfrm>
-            <a:off x="7190948" y="2193272"/>
-            <a:ext cx="2409079" cy="2422830"/>
-          </a:xfrm>
-          <a:prstGeom prst="rect">
-            <a:avLst/>
-          </a:prstGeom>
-          <a:solidFill>
-            <a:srgbClr val="1D8900">
-              <a:alpha val="9804"/>
-            </a:srgbClr>
-          </a:solidFill>
-          <a:ln w="6350">
-            <a:solidFill>
-              <a:srgbClr val="1D8900"/>
-            </a:solidFill>
-            <a:prstDash val="solid"/>
-          </a:ln>
-        </p:spPr>
-        <p:style>
-          <a:lnRef idx="2">
-            <a:schemeClr val="accent1">
-              <a:shade val="50000"/>
-            </a:schemeClr>
-          </a:lnRef>
-          <a:fillRef idx="1">
-            <a:schemeClr val="accent1"/>
-          </a:fillRef>
-          <a:effectRef idx="0">
-            <a:schemeClr val="accent1"/>
-          </a:effectRef>
-          <a:fontRef idx="minor">
-            <a:schemeClr val="lt1"/>
-          </a:fontRef>
-        </p:style>
-        <p:txBody>
-          <a:bodyPr rot="0" spcFirstLastPara="0" vertOverflow="overflow" horzOverflow="overflow" vert="horz" wrap="square" lIns="338328" tIns="45720" rIns="91440" bIns="45720" numCol="1" spcCol="0" rtlCol="0" fromWordArt="0" anchor="t" anchorCtr="0" forceAA="0" compatLnSpc="1">
-            <a:prstTxWarp prst="textNoShape">
-              <a:avLst/>
-            </a:prstTxWarp>
-            <a:noAutofit/>
-          </a:bodyPr>
-          <a:lstStyle/>
-          <a:p>
-            <a:r>
-              <a:rPr lang="en-US" sz="1200" dirty="0" smtClean="0">
-                <a:solidFill>
-                  <a:srgbClr val="1E8900"/>
-                </a:solidFill>
-                <a:latin typeface="Arial"/>
-                <a:cs typeface="Arial"/>
-              </a:rPr>
-              <a:t> Public </a:t>
-            </a:r>
-            <a:r>
-              <a:rPr lang="en-US" sz="1200" dirty="0">
-                <a:solidFill>
-                  <a:srgbClr val="1E8900"/>
-                </a:solidFill>
-                <a:latin typeface="Arial"/>
-                <a:cs typeface="Arial"/>
-              </a:rPr>
-              <a:t>subnet</a:t>
-            </a:r>
-            <a:r>
-              <a:rPr lang="en-US" sz="1000" dirty="0">
-                <a:solidFill>
-                  <a:srgbClr val="1E8900"/>
-                </a:solidFill>
-                <a:latin typeface="Arial"/>
-                <a:cs typeface="Arial"/>
-              </a:rPr>
-              <a:t>        </a:t>
-            </a:r>
-            <a:endParaRPr lang="en-US" dirty="0"/>
-          </a:p>
-        </p:txBody>
-      </p:sp>
-      <p:pic>
-        <p:nvPicPr>
-          <p:cNvPr id="100" name="Graphic 99">
-            <a:extLst>
-              <a:ext uri="{FF2B5EF4-FFF2-40B4-BE49-F238E27FC236}">
-                <a16:creationId xmlns:a16="http://schemas.microsoft.com/office/drawing/2014/main" id="{BA5863F4-233A-4026-B739-5141A0D453DD}"/>
-              </a:ext>
-            </a:extLst>
-          </p:cNvPr>
-          <p:cNvPicPr>
-            <a:picLocks noChangeAspect="1"/>
-          </p:cNvPicPr>
-          <p:nvPr/>
-        </p:nvPicPr>
-        <p:blipFill>
-          <a:blip r:embed="rId7">
-            <a:extLst>
-              <a:ext uri="{96DAC541-7B7A-43D3-8B79-37D633B846F1}">
-                <asvg:svgBlip xmlns:asvg="http://schemas.microsoft.com/office/drawing/2016/SVG/main" xmlns="" r:embed="rId14"/>
-              </a:ext>
-            </a:extLst>
-          </a:blip>
-          <a:stretch>
-            <a:fillRect/>
-          </a:stretch>
-        </p:blipFill>
-        <p:spPr>
-          <a:xfrm>
-            <a:off x="7185234" y="2186829"/>
-            <a:ext cx="313390" cy="274186"/>
-          </a:xfrm>
-          <a:prstGeom prst="rect">
-            <a:avLst/>
-          </a:prstGeom>
-        </p:spPr>
-      </p:pic>
       <p:sp>
         <p:nvSpPr>
           <p:cNvPr id="101" name="Rectangle 100">
@@ -1928,7 +1685,7 @@
         </p:nvGrpSpPr>
         <p:grpSpPr>
           <a:xfrm>
-            <a:off x="9933278" y="3327237"/>
+            <a:off x="9920933" y="3543551"/>
             <a:ext cx="1651819" cy="1056001"/>
             <a:chOff x="9958940" y="2823692"/>
             <a:chExt cx="1651819" cy="1056001"/>
@@ -1988,7 +1745,7 @@
             <p:nvPr/>
           </p:nvPicPr>
           <p:blipFill>
-            <a:blip r:embed="rId15">
+            <a:blip r:embed="rId7">
               <a:extLst>
                 <a:ext uri="{28A0092B-C50C-407E-A947-70E740481C1C}">
                   <a14:useLocalDpi xmlns:a14="http://schemas.microsoft.com/office/drawing/2010/main" val="0"/>
@@ -2034,120 +1791,6 @@
           </p:spPr>
         </p:pic>
       </p:grpSp>
-      <p:grpSp>
-        <p:nvGrpSpPr>
-          <p:cNvPr id="29" name="Group 28"/>
-          <p:cNvGrpSpPr/>
-          <p:nvPr/>
-        </p:nvGrpSpPr>
-        <p:grpSpPr>
-          <a:xfrm>
-            <a:off x="9954757" y="5058588"/>
-            <a:ext cx="1651819" cy="990002"/>
-            <a:chOff x="9995352" y="4200776"/>
-            <a:chExt cx="1651819" cy="990002"/>
-          </a:xfrm>
-        </p:grpSpPr>
-        <p:sp>
-          <p:nvSpPr>
-            <p:cNvPr id="88" name="TextBox 87">
-              <a:extLst>
-                <a:ext uri="{FF2B5EF4-FFF2-40B4-BE49-F238E27FC236}">
-                  <a16:creationId xmlns:a16="http://schemas.microsoft.com/office/drawing/2014/main" id="{12002C82-37EC-4259-BA03-2C61D6CD4C4B}"/>
-                </a:ext>
-              </a:extLst>
-            </p:cNvPr>
-            <p:cNvSpPr txBox="1"/>
-            <p:nvPr/>
-          </p:nvSpPr>
-          <p:spPr>
-            <a:xfrm>
-              <a:off x="9995352" y="4913779"/>
-              <a:ext cx="1651819" cy="276999"/>
-            </a:xfrm>
-            <a:prstGeom prst="rect">
-              <a:avLst/>
-            </a:prstGeom>
-            <a:noFill/>
-          </p:spPr>
-          <p:txBody>
-            <a:bodyPr wrap="square" lIns="91440" tIns="45720" rIns="91440" bIns="45720" rtlCol="0" anchor="t">
-              <a:spAutoFit/>
-            </a:bodyPr>
-            <a:lstStyle/>
-            <a:p>
-              <a:pPr algn="ctr"/>
-              <a:r>
-                <a:rPr lang="en-US" sz="1200" dirty="0">
-                  <a:latin typeface="Arial"/>
-                  <a:cs typeface="Arial"/>
-                </a:rPr>
-                <a:t>AWS Lambda</a:t>
-              </a:r>
-            </a:p>
-          </p:txBody>
-        </p:sp>
-        <p:pic>
-          <p:nvPicPr>
-            <p:cNvPr id="71" name="Graphic 7">
-              <a:extLst>
-                <a:ext uri="{FF2B5EF4-FFF2-40B4-BE49-F238E27FC236}">
-                  <a16:creationId xmlns:a16="http://schemas.microsoft.com/office/drawing/2014/main" id="{9C9009EB-15E0-7E48-961A-318398F43D76}"/>
-                </a:ext>
-              </a:extLst>
-            </p:cNvPr>
-            <p:cNvPicPr>
-              <a:picLocks noChangeAspect="1" noChangeArrowheads="1"/>
-            </p:cNvPicPr>
-            <p:nvPr/>
-          </p:nvPicPr>
-          <p:blipFill>
-            <a:blip r:embed="rId16">
-              <a:extLst>
-                <a:ext uri="{28A0092B-C50C-407E-A947-70E740481C1C}">
-                  <a14:useLocalDpi xmlns:a14="http://schemas.microsoft.com/office/drawing/2010/main" val="0"/>
-                </a:ext>
-              </a:extLst>
-            </a:blip>
-            <a:srcRect/>
-            <a:stretch>
-              <a:fillRect/>
-            </a:stretch>
-          </p:blipFill>
-          <p:spPr bwMode="auto">
-            <a:xfrm>
-              <a:off x="10465662" y="4200776"/>
-              <a:ext cx="711200" cy="711200"/>
-            </a:xfrm>
-            <a:prstGeom prst="rect">
-              <a:avLst/>
-            </a:prstGeom>
-            <a:noFill/>
-            <a:ln>
-              <a:noFill/>
-            </a:ln>
-            <a:extLst>
-              <a:ext uri="{909E8E84-426E-40DD-AFC4-6F175D3DCCD1}">
-                <a14:hiddenFill xmlns:a14="http://schemas.microsoft.com/office/drawing/2010/main">
-                  <a:solidFill>
-                    <a:srgbClr val="FFFFFF"/>
-                  </a:solidFill>
-                </a14:hiddenFill>
-              </a:ext>
-              <a:ext uri="{91240B29-F687-4F45-9708-019B960494DF}">
-                <a14:hiddenLine xmlns:a14="http://schemas.microsoft.com/office/drawing/2010/main" w="9525">
-                  <a:solidFill>
-                    <a:srgbClr val="000000"/>
-                  </a:solidFill>
-                  <a:miter lim="800000"/>
-                  <a:headEnd/>
-                  <a:tailEnd/>
-                </a14:hiddenLine>
-              </a:ext>
-            </a:extLst>
-          </p:spPr>
-        </p:pic>
-      </p:grpSp>
       <p:pic>
         <p:nvPicPr>
           <p:cNvPr id="72" name="Graphic 18">
@@ -2163,7 +1806,7 @@
           <p:nvPr/>
         </p:nvPicPr>
         <p:blipFill>
-          <a:blip r:embed="rId17">
+          <a:blip r:embed="rId8">
             <a:extLst>
               <a:ext uri="{28A0092B-C50C-407E-A947-70E740481C1C}">
                 <a14:useLocalDpi xmlns:a14="http://schemas.microsoft.com/office/drawing/2010/main" val="0"/>
@@ -2224,7 +1867,7 @@
         </p:nvSpPr>
         <p:spPr bwMode="auto">
           <a:xfrm>
-            <a:off x="4711585" y="5784328"/>
+            <a:off x="4896995" y="5822895"/>
             <a:ext cx="2290762" cy="461665"/>
           </a:xfrm>
           <a:prstGeom prst="rect">
@@ -2384,7 +2027,7 @@
           <p:nvPr/>
         </p:nvPicPr>
         <p:blipFill>
-          <a:blip r:embed="rId18">
+          <a:blip r:embed="rId9">
             <a:extLst>
               <a:ext uri="{28A0092B-C50C-407E-A947-70E740481C1C}">
                 <a14:useLocalDpi xmlns:a14="http://schemas.microsoft.com/office/drawing/2010/main" val="0"/>
@@ -2445,7 +2088,7 @@
         </p:nvSpPr>
         <p:spPr bwMode="auto">
           <a:xfrm>
-            <a:off x="2673812" y="5796766"/>
+            <a:off x="2826294" y="5806654"/>
             <a:ext cx="2279650" cy="461665"/>
           </a:xfrm>
           <a:prstGeom prst="rect">
@@ -2605,7 +2248,7 @@
           <p:nvPr/>
         </p:nvPicPr>
         <p:blipFill>
-          <a:blip r:embed="rId19">
+          <a:blip r:embed="rId10">
             <a:extLst>
               <a:ext uri="{28A0092B-C50C-407E-A947-70E740481C1C}">
                 <a14:useLocalDpi xmlns:a14="http://schemas.microsoft.com/office/drawing/2010/main" val="0"/>
@@ -2771,7 +2414,7 @@
           <p:nvPr/>
         </p:nvPicPr>
         <p:blipFill>
-          <a:blip r:embed="rId20">
+          <a:blip r:embed="rId11">
             <a:extLst>
               <a:ext uri="{28A0092B-C50C-407E-A947-70E740481C1C}">
                 <a14:useLocalDpi xmlns:a14="http://schemas.microsoft.com/office/drawing/2010/main" val="0"/>
@@ -2831,7 +2474,7 @@
           <p:nvPr/>
         </p:nvPicPr>
         <p:blipFill>
-          <a:blip r:embed="rId21">
+          <a:blip r:embed="rId12">
             <a:extLst>
               <a:ext uri="{28A0092B-C50C-407E-A947-70E740481C1C}">
                 <a14:useLocalDpi xmlns:a14="http://schemas.microsoft.com/office/drawing/2010/main" val="0"/>
@@ -2930,7 +2573,7 @@
           <p:nvPr/>
         </p:nvPicPr>
         <p:blipFill>
-          <a:blip r:embed="rId21">
+          <a:blip r:embed="rId12">
             <a:extLst>
               <a:ext uri="{28A0092B-C50C-407E-A947-70E740481C1C}">
                 <a14:useLocalDpi xmlns:a14="http://schemas.microsoft.com/office/drawing/2010/main" val="0"/>
@@ -2990,7 +2633,7 @@
           <p:nvPr/>
         </p:nvPicPr>
         <p:blipFill>
-          <a:blip r:embed="rId22">
+          <a:blip r:embed="rId13">
             <a:extLst>
               <a:ext uri="{28A0092B-C50C-407E-A947-70E740481C1C}">
                 <a14:useLocalDpi xmlns:a14="http://schemas.microsoft.com/office/drawing/2010/main" val="0"/>
@@ -3204,7 +2847,7 @@
         </p:nvGrpSpPr>
         <p:grpSpPr>
           <a:xfrm>
-            <a:off x="9605741" y="1699015"/>
+            <a:off x="9647280" y="2068716"/>
             <a:ext cx="2243137" cy="1054019"/>
             <a:chOff x="9663282" y="1508448"/>
             <a:chExt cx="2243137" cy="1054019"/>
@@ -3225,7 +2868,7 @@
             <p:nvPr/>
           </p:nvPicPr>
           <p:blipFill>
-            <a:blip r:embed="rId23">
+            <a:blip r:embed="rId14">
               <a:extLst>
                 <a:ext uri="{28A0092B-C50C-407E-A947-70E740481C1C}">
                   <a14:useLocalDpi xmlns:a14="http://schemas.microsoft.com/office/drawing/2010/main" val="0"/>
@@ -3432,361 +3075,331 @@
           </p:txBody>
         </p:sp>
       </p:grpSp>
-      <p:grpSp>
-        <p:nvGrpSpPr>
-          <p:cNvPr id="28" name="Group 27"/>
-          <p:cNvGrpSpPr/>
+      <p:sp>
+        <p:nvSpPr>
+          <p:cNvPr id="90" name="TextBox 15">
+            <a:extLst>
+              <a:ext uri="{FF2B5EF4-FFF2-40B4-BE49-F238E27FC236}">
+                <a16:creationId xmlns:a16="http://schemas.microsoft.com/office/drawing/2014/main" id="{827B600A-D9BC-B047-A401-E6661068C630}"/>
+              </a:ext>
+            </a:extLst>
+          </p:cNvPr>
+          <p:cNvSpPr txBox="1">
+            <a:spLocks noChangeArrowheads="1"/>
+          </p:cNvSpPr>
           <p:nvPr/>
-        </p:nvGrpSpPr>
-        <p:grpSpPr>
+        </p:nvSpPr>
+        <p:spPr bwMode="auto">
           <a:xfrm>
-            <a:off x="8658067" y="5104124"/>
-            <a:ext cx="1375224" cy="777766"/>
-            <a:chOff x="8545215" y="5361676"/>
-            <a:chExt cx="1375224" cy="777766"/>
+            <a:off x="8421678" y="5814893"/>
+            <a:ext cx="1809276" cy="461665"/>
           </a:xfrm>
-        </p:grpSpPr>
-        <p:sp>
-          <p:nvSpPr>
-            <p:cNvPr id="90" name="TextBox 15">
-              <a:extLst>
-                <a:ext uri="{FF2B5EF4-FFF2-40B4-BE49-F238E27FC236}">
-                  <a16:creationId xmlns:a16="http://schemas.microsoft.com/office/drawing/2014/main" id="{827B600A-D9BC-B047-A401-E6661068C630}"/>
-                </a:ext>
-              </a:extLst>
-            </p:cNvPr>
-            <p:cNvSpPr txBox="1">
-              <a:spLocks noChangeArrowheads="1"/>
-            </p:cNvSpPr>
-            <p:nvPr/>
-          </p:nvSpPr>
-          <p:spPr bwMode="auto">
-            <a:xfrm>
-              <a:off x="8545215" y="5708555"/>
-              <a:ext cx="1375224" cy="430887"/>
-            </a:xfrm>
-            <a:prstGeom prst="rect">
-              <a:avLst/>
-            </a:prstGeom>
+          <a:prstGeom prst="rect">
+            <a:avLst/>
+          </a:prstGeom>
+          <a:noFill/>
+          <a:ln>
             <a:noFill/>
-            <a:ln>
-              <a:noFill/>
-            </a:ln>
-            <a:extLst>
-              <a:ext uri="{909E8E84-426E-40DD-AFC4-6F175D3DCCD1}">
-                <a14:hiddenFill xmlns:a14="http://schemas.microsoft.com/office/drawing/2010/main">
-                  <a:solidFill>
-                    <a:srgbClr val="FFFFFF"/>
-                  </a:solidFill>
-                </a14:hiddenFill>
-              </a:ext>
-              <a:ext uri="{91240B29-F687-4F45-9708-019B960494DF}">
-                <a14:hiddenLine xmlns:a14="http://schemas.microsoft.com/office/drawing/2010/main" w="9525">
-                  <a:solidFill>
-                    <a:srgbClr val="000000"/>
-                  </a:solidFill>
-                  <a:miter lim="800000"/>
-                  <a:headEnd/>
-                  <a:tailEnd/>
-                </a14:hiddenLine>
-              </a:ext>
-            </a:extLst>
-          </p:spPr>
-          <p:txBody>
-            <a:bodyPr wrap="square">
-              <a:spAutoFit/>
-            </a:bodyPr>
-            <a:lstStyle>
-              <a:lvl1pPr>
-                <a:defRPr>
-                  <a:solidFill>
-                    <a:schemeClr val="tx1"/>
-                  </a:solidFill>
-                  <a:latin typeface="Calibri" panose="020F0502020204030204" pitchFamily="34" charset="0"/>
-                </a:defRPr>
-              </a:lvl1pPr>
-              <a:lvl2pPr marL="742950" indent="-285750">
-                <a:defRPr>
-                  <a:solidFill>
-                    <a:schemeClr val="tx1"/>
-                  </a:solidFill>
-                  <a:latin typeface="Calibri" panose="020F0502020204030204" pitchFamily="34" charset="0"/>
-                </a:defRPr>
-              </a:lvl2pPr>
-              <a:lvl3pPr marL="1143000" indent="-228600">
-                <a:defRPr>
-                  <a:solidFill>
-                    <a:schemeClr val="tx1"/>
-                  </a:solidFill>
-                  <a:latin typeface="Calibri" panose="020F0502020204030204" pitchFamily="34" charset="0"/>
-                </a:defRPr>
-              </a:lvl3pPr>
-              <a:lvl4pPr marL="1600200" indent="-228600">
-                <a:defRPr>
-                  <a:solidFill>
-                    <a:schemeClr val="tx1"/>
-                  </a:solidFill>
-                  <a:latin typeface="Calibri" panose="020F0502020204030204" pitchFamily="34" charset="0"/>
-                </a:defRPr>
-              </a:lvl4pPr>
-              <a:lvl5pPr marL="2057400" indent="-228600">
-                <a:defRPr>
-                  <a:solidFill>
-                    <a:schemeClr val="tx1"/>
-                  </a:solidFill>
-                  <a:latin typeface="Calibri" panose="020F0502020204030204" pitchFamily="34" charset="0"/>
-                </a:defRPr>
-              </a:lvl5pPr>
-              <a:lvl6pPr marL="2514600" indent="-228600" eaLnBrk="0" fontAlgn="base" hangingPunct="0">
-                <a:spcBef>
-                  <a:spcPct val="0"/>
-                </a:spcBef>
-                <a:spcAft>
-                  <a:spcPct val="0"/>
-                </a:spcAft>
-                <a:defRPr>
-                  <a:solidFill>
-                    <a:schemeClr val="tx1"/>
-                  </a:solidFill>
-                  <a:latin typeface="Calibri" panose="020F0502020204030204" pitchFamily="34" charset="0"/>
-                </a:defRPr>
-              </a:lvl6pPr>
-              <a:lvl7pPr marL="2971800" indent="-228600" eaLnBrk="0" fontAlgn="base" hangingPunct="0">
-                <a:spcBef>
-                  <a:spcPct val="0"/>
-                </a:spcBef>
-                <a:spcAft>
-                  <a:spcPct val="0"/>
-                </a:spcAft>
-                <a:defRPr>
-                  <a:solidFill>
-                    <a:schemeClr val="tx1"/>
-                  </a:solidFill>
-                  <a:latin typeface="Calibri" panose="020F0502020204030204" pitchFamily="34" charset="0"/>
-                </a:defRPr>
-              </a:lvl7pPr>
-              <a:lvl8pPr marL="3429000" indent="-228600" eaLnBrk="0" fontAlgn="base" hangingPunct="0">
-                <a:spcBef>
-                  <a:spcPct val="0"/>
-                </a:spcBef>
-                <a:spcAft>
-                  <a:spcPct val="0"/>
-                </a:spcAft>
-                <a:defRPr>
-                  <a:solidFill>
-                    <a:schemeClr val="tx1"/>
-                  </a:solidFill>
-                  <a:latin typeface="Calibri" panose="020F0502020204030204" pitchFamily="34" charset="0"/>
-                </a:defRPr>
-              </a:lvl8pPr>
-              <a:lvl9pPr marL="3886200" indent="-228600" eaLnBrk="0" fontAlgn="base" hangingPunct="0">
-                <a:spcBef>
-                  <a:spcPct val="0"/>
-                </a:spcBef>
-                <a:spcAft>
-                  <a:spcPct val="0"/>
-                </a:spcAft>
-                <a:defRPr>
-                  <a:solidFill>
-                    <a:schemeClr val="tx1"/>
-                  </a:solidFill>
-                  <a:latin typeface="Calibri" panose="020F0502020204030204" pitchFamily="34" charset="0"/>
-                </a:defRPr>
-              </a:lvl9pPr>
-            </a:lstStyle>
-            <a:p>
-              <a:pPr algn="ctr" eaLnBrk="1" hangingPunct="1"/>
-              <a:r>
-                <a:rPr lang="en-US" altLang="en-US" sz="1100" dirty="0" smtClean="0">
-                  <a:latin typeface="Arial" panose="020B0604020202020204" pitchFamily="34" charset="0"/>
-                  <a:ea typeface="Amazon Ember" panose="020B0603020204020204" pitchFamily="34" charset="0"/>
-                  <a:cs typeface="Arial" panose="020B0604020202020204" pitchFamily="34" charset="0"/>
-                </a:rPr>
-                <a:t>AWS IoT SiteWise connector</a:t>
-              </a:r>
-              <a:endParaRPr lang="en-US" altLang="en-US" sz="1100" dirty="0">
+          </a:ln>
+          <a:extLst>
+            <a:ext uri="{909E8E84-426E-40DD-AFC4-6F175D3DCCD1}">
+              <a14:hiddenFill xmlns:a14="http://schemas.microsoft.com/office/drawing/2010/main">
+                <a:solidFill>
+                  <a:srgbClr val="FFFFFF"/>
+                </a:solidFill>
+              </a14:hiddenFill>
+            </a:ext>
+            <a:ext uri="{91240B29-F687-4F45-9708-019B960494DF}">
+              <a14:hiddenLine xmlns:a14="http://schemas.microsoft.com/office/drawing/2010/main" w="9525">
+                <a:solidFill>
+                  <a:srgbClr val="000000"/>
+                </a:solidFill>
+                <a:miter lim="800000"/>
+                <a:headEnd/>
+                <a:tailEnd/>
+              </a14:hiddenLine>
+            </a:ext>
+          </a:extLst>
+        </p:spPr>
+        <p:txBody>
+          <a:bodyPr wrap="square">
+            <a:spAutoFit/>
+          </a:bodyPr>
+          <a:lstStyle>
+            <a:lvl1pPr>
+              <a:defRPr>
+                <a:solidFill>
+                  <a:schemeClr val="tx1"/>
+                </a:solidFill>
+                <a:latin typeface="Calibri" panose="020F0502020204030204" pitchFamily="34" charset="0"/>
+              </a:defRPr>
+            </a:lvl1pPr>
+            <a:lvl2pPr marL="742950" indent="-285750">
+              <a:defRPr>
+                <a:solidFill>
+                  <a:schemeClr val="tx1"/>
+                </a:solidFill>
+                <a:latin typeface="Calibri" panose="020F0502020204030204" pitchFamily="34" charset="0"/>
+              </a:defRPr>
+            </a:lvl2pPr>
+            <a:lvl3pPr marL="1143000" indent="-228600">
+              <a:defRPr>
+                <a:solidFill>
+                  <a:schemeClr val="tx1"/>
+                </a:solidFill>
+                <a:latin typeface="Calibri" panose="020F0502020204030204" pitchFamily="34" charset="0"/>
+              </a:defRPr>
+            </a:lvl3pPr>
+            <a:lvl4pPr marL="1600200" indent="-228600">
+              <a:defRPr>
+                <a:solidFill>
+                  <a:schemeClr val="tx1"/>
+                </a:solidFill>
+                <a:latin typeface="Calibri" panose="020F0502020204030204" pitchFamily="34" charset="0"/>
+              </a:defRPr>
+            </a:lvl4pPr>
+            <a:lvl5pPr marL="2057400" indent="-228600">
+              <a:defRPr>
+                <a:solidFill>
+                  <a:schemeClr val="tx1"/>
+                </a:solidFill>
+                <a:latin typeface="Calibri" panose="020F0502020204030204" pitchFamily="34" charset="0"/>
+              </a:defRPr>
+            </a:lvl5pPr>
+            <a:lvl6pPr marL="2514600" indent="-228600" eaLnBrk="0" fontAlgn="base" hangingPunct="0">
+              <a:spcBef>
+                <a:spcPct val="0"/>
+              </a:spcBef>
+              <a:spcAft>
+                <a:spcPct val="0"/>
+              </a:spcAft>
+              <a:defRPr>
+                <a:solidFill>
+                  <a:schemeClr val="tx1"/>
+                </a:solidFill>
+                <a:latin typeface="Calibri" panose="020F0502020204030204" pitchFamily="34" charset="0"/>
+              </a:defRPr>
+            </a:lvl6pPr>
+            <a:lvl7pPr marL="2971800" indent="-228600" eaLnBrk="0" fontAlgn="base" hangingPunct="0">
+              <a:spcBef>
+                <a:spcPct val="0"/>
+              </a:spcBef>
+              <a:spcAft>
+                <a:spcPct val="0"/>
+              </a:spcAft>
+              <a:defRPr>
+                <a:solidFill>
+                  <a:schemeClr val="tx1"/>
+                </a:solidFill>
+                <a:latin typeface="Calibri" panose="020F0502020204030204" pitchFamily="34" charset="0"/>
+              </a:defRPr>
+            </a:lvl7pPr>
+            <a:lvl8pPr marL="3429000" indent="-228600" eaLnBrk="0" fontAlgn="base" hangingPunct="0">
+              <a:spcBef>
+                <a:spcPct val="0"/>
+              </a:spcBef>
+              <a:spcAft>
+                <a:spcPct val="0"/>
+              </a:spcAft>
+              <a:defRPr>
+                <a:solidFill>
+                  <a:schemeClr val="tx1"/>
+                </a:solidFill>
+                <a:latin typeface="Calibri" panose="020F0502020204030204" pitchFamily="34" charset="0"/>
+              </a:defRPr>
+            </a:lvl8pPr>
+            <a:lvl9pPr marL="3886200" indent="-228600" eaLnBrk="0" fontAlgn="base" hangingPunct="0">
+              <a:spcBef>
+                <a:spcPct val="0"/>
+              </a:spcBef>
+              <a:spcAft>
+                <a:spcPct val="0"/>
+              </a:spcAft>
+              <a:defRPr>
+                <a:solidFill>
+                  <a:schemeClr val="tx1"/>
+                </a:solidFill>
+                <a:latin typeface="Calibri" panose="020F0502020204030204" pitchFamily="34" charset="0"/>
+              </a:defRPr>
+            </a:lvl9pPr>
+          </a:lstStyle>
+          <a:p>
+            <a:pPr algn="ctr" eaLnBrk="1" hangingPunct="1"/>
+            <a:r>
+              <a:rPr lang="en-US" altLang="en-US" sz="1200" dirty="0" smtClean="0">
                 <a:latin typeface="Arial" panose="020B0604020202020204" pitchFamily="34" charset="0"/>
                 <a:ea typeface="Amazon Ember" panose="020B0603020204020204" pitchFamily="34" charset="0"/>
                 <a:cs typeface="Arial" panose="020B0604020202020204" pitchFamily="34" charset="0"/>
-              </a:endParaRPr>
-            </a:p>
-          </p:txBody>
-        </p:sp>
-        <p:pic>
-          <p:nvPicPr>
-            <p:cNvPr id="91" name="Graphic 6">
-              <a:extLst>
-                <a:ext uri="{FF2B5EF4-FFF2-40B4-BE49-F238E27FC236}">
-                  <a16:creationId xmlns:a16="http://schemas.microsoft.com/office/drawing/2014/main" id="{A2F37D9A-1C72-1D47-B4DC-278AA39FA1A0}"/>
-                </a:ext>
-              </a:extLst>
-            </p:cNvPr>
-            <p:cNvPicPr>
-              <a:picLocks noChangeAspect="1" noChangeArrowheads="1"/>
-            </p:cNvPicPr>
-            <p:nvPr/>
-          </p:nvPicPr>
-          <p:blipFill>
-            <a:blip r:embed="rId24">
-              <a:extLst>
-                <a:ext uri="{28A0092B-C50C-407E-A947-70E740481C1C}">
-                  <a14:useLocalDpi xmlns:a14="http://schemas.microsoft.com/office/drawing/2010/main" val="0"/>
-                </a:ext>
-              </a:extLst>
-            </a:blip>
-            <a:srcRect/>
-            <a:stretch>
-              <a:fillRect/>
-            </a:stretch>
-          </p:blipFill>
-          <p:spPr bwMode="auto">
-            <a:xfrm>
-              <a:off x="9004227" y="5361676"/>
-              <a:ext cx="457200" cy="457200"/>
-            </a:xfrm>
-            <a:prstGeom prst="rect">
-              <a:avLst/>
-            </a:prstGeom>
+              </a:rPr>
+              <a:t>AWS IoT SiteWise connector</a:t>
+            </a:r>
+            <a:endParaRPr lang="en-US" altLang="en-US" sz="1200" dirty="0">
+              <a:latin typeface="Arial" panose="020B0604020202020204" pitchFamily="34" charset="0"/>
+              <a:ea typeface="Amazon Ember" panose="020B0603020204020204" pitchFamily="34" charset="0"/>
+              <a:cs typeface="Arial" panose="020B0604020202020204" pitchFamily="34" charset="0"/>
+            </a:endParaRPr>
+          </a:p>
+        </p:txBody>
+      </p:sp>
+      <p:pic>
+        <p:nvPicPr>
+          <p:cNvPr id="91" name="Graphic 6">
+            <a:extLst>
+              <a:ext uri="{FF2B5EF4-FFF2-40B4-BE49-F238E27FC236}">
+                <a16:creationId xmlns:a16="http://schemas.microsoft.com/office/drawing/2014/main" id="{A2F37D9A-1C72-1D47-B4DC-278AA39FA1A0}"/>
+              </a:ext>
+            </a:extLst>
+          </p:cNvPr>
+          <p:cNvPicPr>
+            <a:picLocks noChangeAspect="1" noChangeArrowheads="1"/>
+          </p:cNvPicPr>
+          <p:nvPr/>
+        </p:nvPicPr>
+        <p:blipFill>
+          <a:blip r:embed="rId15">
+            <a:extLst>
+              <a:ext uri="{28A0092B-C50C-407E-A947-70E740481C1C}">
+                <a14:useLocalDpi xmlns:a14="http://schemas.microsoft.com/office/drawing/2010/main" val="0"/>
+              </a:ext>
+            </a:extLst>
+          </a:blip>
+          <a:srcRect/>
+          <a:stretch>
+            <a:fillRect/>
+          </a:stretch>
+        </p:blipFill>
+        <p:spPr bwMode="auto">
+          <a:xfrm>
+            <a:off x="8953016" y="5277833"/>
+            <a:ext cx="457200" cy="457200"/>
+          </a:xfrm>
+          <a:prstGeom prst="rect">
+            <a:avLst/>
+          </a:prstGeom>
+          <a:noFill/>
+          <a:ln>
             <a:noFill/>
-            <a:ln>
-              <a:noFill/>
-            </a:ln>
-            <a:extLst>
-              <a:ext uri="{909E8E84-426E-40DD-AFC4-6F175D3DCCD1}">
-                <a14:hiddenFill xmlns:a14="http://schemas.microsoft.com/office/drawing/2010/main">
-                  <a:solidFill>
-                    <a:srgbClr val="FFFFFF"/>
-                  </a:solidFill>
-                </a14:hiddenFill>
-              </a:ext>
-              <a:ext uri="{91240B29-F687-4F45-9708-019B960494DF}">
-                <a14:hiddenLine xmlns:a14="http://schemas.microsoft.com/office/drawing/2010/main" w="9525">
-                  <a:solidFill>
-                    <a:srgbClr val="000000"/>
-                  </a:solidFill>
-                  <a:miter lim="800000"/>
-                  <a:headEnd/>
-                  <a:tailEnd/>
-                </a14:hiddenLine>
-              </a:ext>
-            </a:extLst>
-          </p:spPr>
-        </p:pic>
-      </p:grpSp>
-      <p:grpSp>
-        <p:nvGrpSpPr>
-          <p:cNvPr id="25" name="Group 24"/>
-          <p:cNvGrpSpPr/>
+          </a:ln>
+          <a:extLst>
+            <a:ext uri="{909E8E84-426E-40DD-AFC4-6F175D3DCCD1}">
+              <a14:hiddenFill xmlns:a14="http://schemas.microsoft.com/office/drawing/2010/main">
+                <a:solidFill>
+                  <a:srgbClr val="FFFFFF"/>
+                </a:solidFill>
+              </a14:hiddenFill>
+            </a:ext>
+            <a:ext uri="{91240B29-F687-4F45-9708-019B960494DF}">
+              <a14:hiddenLine xmlns:a14="http://schemas.microsoft.com/office/drawing/2010/main" w="9525">
+                <a:solidFill>
+                  <a:srgbClr val="000000"/>
+                </a:solidFill>
+                <a:miter lim="800000"/>
+                <a:headEnd/>
+                <a:tailEnd/>
+              </a14:hiddenLine>
+            </a:ext>
+          </a:extLst>
+        </p:spPr>
+      </p:pic>
+      <p:sp>
+        <p:nvSpPr>
+          <p:cNvPr id="78" name="TextBox 77">
+            <a:extLst>
+              <a:ext uri="{FF2B5EF4-FFF2-40B4-BE49-F238E27FC236}">
+                <a16:creationId xmlns:a16="http://schemas.microsoft.com/office/drawing/2014/main" id="{714F9E8E-84FF-4AC5-92AC-3718BCF8CA8B}"/>
+              </a:ext>
+            </a:extLst>
+          </p:cNvPr>
+          <p:cNvSpPr txBox="1"/>
           <p:nvPr/>
-        </p:nvGrpSpPr>
-        <p:grpSpPr>
+        </p:nvSpPr>
+        <p:spPr>
           <a:xfrm>
-            <a:off x="7057858" y="5064385"/>
-            <a:ext cx="1651819" cy="1027849"/>
-            <a:chOff x="6831585" y="5209276"/>
-            <a:chExt cx="1651819" cy="1027849"/>
+            <a:off x="6978808" y="5814893"/>
+            <a:ext cx="1651819" cy="276999"/>
           </a:xfrm>
-        </p:grpSpPr>
-        <p:sp>
-          <p:nvSpPr>
-            <p:cNvPr id="78" name="TextBox 77">
-              <a:extLst>
-                <a:ext uri="{FF2B5EF4-FFF2-40B4-BE49-F238E27FC236}">
-                  <a16:creationId xmlns:a16="http://schemas.microsoft.com/office/drawing/2014/main" id="{714F9E8E-84FF-4AC5-92AC-3718BCF8CA8B}"/>
-                </a:ext>
-              </a:extLst>
-            </p:cNvPr>
-            <p:cNvSpPr txBox="1"/>
-            <p:nvPr/>
-          </p:nvSpPr>
-          <p:spPr>
-            <a:xfrm>
-              <a:off x="6831585" y="5960126"/>
-              <a:ext cx="1651819" cy="276999"/>
-            </a:xfrm>
-            <a:prstGeom prst="rect">
-              <a:avLst/>
-            </a:prstGeom>
+          <a:prstGeom prst="rect">
+            <a:avLst/>
+          </a:prstGeom>
+          <a:noFill/>
+        </p:spPr>
+        <p:txBody>
+          <a:bodyPr wrap="square" lIns="91440" tIns="45720" rIns="91440" bIns="45720" rtlCol="0" anchor="t">
+            <a:spAutoFit/>
+          </a:bodyPr>
+          <a:lstStyle/>
+          <a:p>
+            <a:pPr algn="ctr"/>
+            <a:r>
+              <a:rPr lang="en-US" sz="1200" dirty="0">
+                <a:latin typeface="Arial"/>
+                <a:cs typeface="Arial"/>
+              </a:rPr>
+              <a:t>AWS IoT SiteWise</a:t>
+            </a:r>
+          </a:p>
+        </p:txBody>
+      </p:sp>
+      <p:pic>
+        <p:nvPicPr>
+          <p:cNvPr id="93" name="Graphic 17">
+            <a:extLst>
+              <a:ext uri="{FF2B5EF4-FFF2-40B4-BE49-F238E27FC236}">
+                <a16:creationId xmlns:a16="http://schemas.microsoft.com/office/drawing/2014/main" id="{BEA29866-F561-0B41-AFBC-A4546311446E}"/>
+              </a:ext>
+            </a:extLst>
+          </p:cNvPr>
+          <p:cNvPicPr>
+            <a:picLocks noChangeAspect="1" noChangeArrowheads="1"/>
+          </p:cNvPicPr>
+          <p:nvPr/>
+        </p:nvPicPr>
+        <p:blipFill>
+          <a:blip r:embed="rId16">
+            <a:extLst>
+              <a:ext uri="{28A0092B-C50C-407E-A947-70E740481C1C}">
+                <a14:useLocalDpi xmlns:a14="http://schemas.microsoft.com/office/drawing/2010/main" val="0"/>
+              </a:ext>
+            </a:extLst>
+          </a:blip>
+          <a:srcRect/>
+          <a:stretch>
+            <a:fillRect/>
+          </a:stretch>
+        </p:blipFill>
+        <p:spPr bwMode="auto">
+          <a:xfrm>
+            <a:off x="7459518" y="5055753"/>
+            <a:ext cx="762000" cy="762000"/>
+          </a:xfrm>
+          <a:prstGeom prst="rect">
+            <a:avLst/>
+          </a:prstGeom>
+          <a:noFill/>
+          <a:ln>
             <a:noFill/>
-          </p:spPr>
-          <p:txBody>
-            <a:bodyPr wrap="square" lIns="91440" tIns="45720" rIns="91440" bIns="45720" rtlCol="0" anchor="t">
-              <a:spAutoFit/>
-            </a:bodyPr>
-            <a:lstStyle/>
-            <a:p>
-              <a:pPr algn="ctr"/>
-              <a:r>
-                <a:rPr lang="en-US" sz="1200" dirty="0">
-                  <a:latin typeface="Arial"/>
-                  <a:cs typeface="Arial"/>
-                </a:rPr>
-                <a:t>AWS IoT SiteWise</a:t>
-              </a:r>
-            </a:p>
-          </p:txBody>
-        </p:sp>
-        <p:pic>
-          <p:nvPicPr>
-            <p:cNvPr id="93" name="Graphic 17">
-              <a:extLst>
-                <a:ext uri="{FF2B5EF4-FFF2-40B4-BE49-F238E27FC236}">
-                  <a16:creationId xmlns:a16="http://schemas.microsoft.com/office/drawing/2014/main" id="{BEA29866-F561-0B41-AFBC-A4546311446E}"/>
-                </a:ext>
-              </a:extLst>
-            </p:cNvPr>
-            <p:cNvPicPr>
-              <a:picLocks noChangeAspect="1" noChangeArrowheads="1"/>
-            </p:cNvPicPr>
-            <p:nvPr/>
-          </p:nvPicPr>
-          <p:blipFill>
-            <a:blip r:embed="rId25">
-              <a:extLst>
-                <a:ext uri="{28A0092B-C50C-407E-A947-70E740481C1C}">
-                  <a14:useLocalDpi xmlns:a14="http://schemas.microsoft.com/office/drawing/2010/main" val="0"/>
-                </a:ext>
-              </a:extLst>
-            </a:blip>
-            <a:srcRect/>
-            <a:stretch>
-              <a:fillRect/>
-            </a:stretch>
-          </p:blipFill>
-          <p:spPr bwMode="auto">
-            <a:xfrm>
-              <a:off x="7276495" y="5209276"/>
-              <a:ext cx="762000" cy="762000"/>
-            </a:xfrm>
-            <a:prstGeom prst="rect">
-              <a:avLst/>
-            </a:prstGeom>
-            <a:noFill/>
-            <a:ln>
-              <a:noFill/>
-            </a:ln>
-            <a:extLst>
-              <a:ext uri="{909E8E84-426E-40DD-AFC4-6F175D3DCCD1}">
-                <a14:hiddenFill xmlns:a14="http://schemas.microsoft.com/office/drawing/2010/main">
-                  <a:solidFill>
-                    <a:srgbClr val="FFFFFF"/>
-                  </a:solidFill>
-                </a14:hiddenFill>
-              </a:ext>
-              <a:ext uri="{91240B29-F687-4F45-9708-019B960494DF}">
-                <a14:hiddenLine xmlns:a14="http://schemas.microsoft.com/office/drawing/2010/main" w="9525">
-                  <a:solidFill>
-                    <a:srgbClr val="000000"/>
-                  </a:solidFill>
-                  <a:miter lim="800000"/>
-                  <a:headEnd/>
-                  <a:tailEnd/>
-                </a14:hiddenLine>
-              </a:ext>
-            </a:extLst>
-          </p:spPr>
-        </p:pic>
-      </p:grpSp>
+          </a:ln>
+          <a:extLst>
+            <a:ext uri="{909E8E84-426E-40DD-AFC4-6F175D3DCCD1}">
+              <a14:hiddenFill xmlns:a14="http://schemas.microsoft.com/office/drawing/2010/main">
+                <a:solidFill>
+                  <a:srgbClr val="FFFFFF"/>
+                </a:solidFill>
+              </a14:hiddenFill>
+            </a:ext>
+            <a:ext uri="{91240B29-F687-4F45-9708-019B960494DF}">
+              <a14:hiddenLine xmlns:a14="http://schemas.microsoft.com/office/drawing/2010/main" w="9525">
+                <a:solidFill>
+                  <a:srgbClr val="000000"/>
+                </a:solidFill>
+                <a:miter lim="800000"/>
+                <a:headEnd/>
+                <a:tailEnd/>
+              </a14:hiddenLine>
+            </a:ext>
+          </a:extLst>
+        </p:spPr>
+      </p:pic>
       <p:pic>
         <p:nvPicPr>
           <p:cNvPr id="31" name="Picture 30"/>
@@ -3796,7 +3409,7 @@
           <p:nvPr/>
         </p:nvPicPr>
         <p:blipFill>
-          <a:blip r:embed="rId26">
+          <a:blip r:embed="rId17">
             <a:extLst>
               <a:ext uri="{28A0092B-C50C-407E-A947-70E740481C1C}">
                 <a14:useLocalDpi xmlns:a14="http://schemas.microsoft.com/office/drawing/2010/main" val="0"/>
@@ -3815,6 +3428,491 @@
           <a:prstGeom prst="rect">
             <a:avLst/>
           </a:prstGeom>
+        </p:spPr>
+      </p:pic>
+      <p:sp>
+        <p:nvSpPr>
+          <p:cNvPr id="45" name="Rectangle 44">
+            <a:extLst>
+              <a:ext uri="{FF2B5EF4-FFF2-40B4-BE49-F238E27FC236}">
+                <a16:creationId xmlns:a16="http://schemas.microsoft.com/office/drawing/2014/main" id="{1F0E7EF4-E444-A249-963E-37467B23CA57}"/>
+              </a:ext>
+            </a:extLst>
+          </p:cNvPr>
+          <p:cNvSpPr/>
+          <p:nvPr/>
+        </p:nvSpPr>
+        <p:spPr>
+          <a:xfrm>
+            <a:off x="3083799" y="2177165"/>
+            <a:ext cx="2479973" cy="2447333"/>
+          </a:xfrm>
+          <a:prstGeom prst="rect">
+            <a:avLst/>
+          </a:prstGeom>
+          <a:solidFill>
+            <a:srgbClr val="1D8900">
+              <a:alpha val="9804"/>
+            </a:srgbClr>
+          </a:solidFill>
+          <a:ln w="12700">
+            <a:noFill/>
+            <a:prstDash val="dash"/>
+          </a:ln>
+        </p:spPr>
+        <p:style>
+          <a:lnRef idx="2">
+            <a:schemeClr val="accent1">
+              <a:shade val="50000"/>
+            </a:schemeClr>
+          </a:lnRef>
+          <a:fillRef idx="1">
+            <a:schemeClr val="accent1"/>
+          </a:fillRef>
+          <a:effectRef idx="0">
+            <a:schemeClr val="accent1"/>
+          </a:effectRef>
+          <a:fontRef idx="minor">
+            <a:schemeClr val="lt1"/>
+          </a:fontRef>
+        </p:style>
+        <p:txBody>
+          <a:bodyPr lIns="338328"/>
+          <a:lstStyle/>
+          <a:p>
+            <a:pPr eaLnBrk="1" fontAlgn="auto" hangingPunct="1">
+              <a:spcBef>
+                <a:spcPts val="0"/>
+              </a:spcBef>
+              <a:spcAft>
+                <a:spcPts val="0"/>
+              </a:spcAft>
+              <a:defRPr/>
+            </a:pPr>
+            <a:r>
+              <a:rPr lang="en-US" sz="1200" dirty="0">
+                <a:solidFill>
+                  <a:srgbClr val="1E8900"/>
+                </a:solidFill>
+                <a:latin typeface="Arial" panose="020B0604020202020204" pitchFamily="34" charset="0"/>
+                <a:cs typeface="Arial" panose="020B0604020202020204" pitchFamily="34" charset="0"/>
+              </a:rPr>
+              <a:t>Public subnet</a:t>
+            </a:r>
+          </a:p>
+        </p:txBody>
+      </p:sp>
+      <p:pic>
+        <p:nvPicPr>
+          <p:cNvPr id="46" name="Graphic 23">
+            <a:extLst>
+              <a:ext uri="{FF2B5EF4-FFF2-40B4-BE49-F238E27FC236}">
+                <a16:creationId xmlns:a16="http://schemas.microsoft.com/office/drawing/2014/main" id="{43BA4EF3-85AD-AC4B-BC16-83F708F8DD7A}"/>
+              </a:ext>
+            </a:extLst>
+          </p:cNvPr>
+          <p:cNvPicPr>
+            <a:picLocks noChangeAspect="1" noChangeArrowheads="1"/>
+          </p:cNvPicPr>
+          <p:nvPr/>
+        </p:nvPicPr>
+        <p:blipFill>
+          <a:blip r:embed="rId18">
+            <a:extLst>
+              <a:ext uri="{28A0092B-C50C-407E-A947-70E740481C1C}">
+                <a14:useLocalDpi xmlns:a14="http://schemas.microsoft.com/office/drawing/2010/main" val="0"/>
+              </a:ext>
+            </a:extLst>
+          </a:blip>
+          <a:srcRect/>
+          <a:stretch>
+            <a:fillRect/>
+          </a:stretch>
+        </p:blipFill>
+        <p:spPr bwMode="auto">
+          <a:xfrm>
+            <a:off x="3087504" y="2181989"/>
+            <a:ext cx="274637" cy="274638"/>
+          </a:xfrm>
+          <a:prstGeom prst="rect">
+            <a:avLst/>
+          </a:prstGeom>
+          <a:noFill/>
+          <a:ln>
+            <a:noFill/>
+          </a:ln>
+          <a:extLst>
+            <a:ext uri="{909E8E84-426E-40DD-AFC4-6F175D3DCCD1}">
+              <a14:hiddenFill xmlns:a14="http://schemas.microsoft.com/office/drawing/2010/main">
+                <a:solidFill>
+                  <a:srgbClr val="FFFFFF"/>
+                </a:solidFill>
+              </a14:hiddenFill>
+            </a:ext>
+            <a:ext uri="{91240B29-F687-4F45-9708-019B960494DF}">
+              <a14:hiddenLine xmlns:a14="http://schemas.microsoft.com/office/drawing/2010/main" w="9525">
+                <a:solidFill>
+                  <a:srgbClr val="000000"/>
+                </a:solidFill>
+                <a:miter lim="800000"/>
+                <a:headEnd/>
+                <a:tailEnd/>
+              </a14:hiddenLine>
+            </a:ext>
+          </a:extLst>
+        </p:spPr>
+      </p:pic>
+      <p:sp>
+        <p:nvSpPr>
+          <p:cNvPr id="47" name="Rectangle 46">
+            <a:extLst>
+              <a:ext uri="{FF2B5EF4-FFF2-40B4-BE49-F238E27FC236}">
+                <a16:creationId xmlns:a16="http://schemas.microsoft.com/office/drawing/2014/main" id="{1F0E7EF4-E444-A249-963E-37467B23CA57}"/>
+              </a:ext>
+            </a:extLst>
+          </p:cNvPr>
+          <p:cNvSpPr/>
+          <p:nvPr/>
+        </p:nvSpPr>
+        <p:spPr>
+          <a:xfrm>
+            <a:off x="7167307" y="2184290"/>
+            <a:ext cx="2479973" cy="2447333"/>
+          </a:xfrm>
+          <a:prstGeom prst="rect">
+            <a:avLst/>
+          </a:prstGeom>
+          <a:solidFill>
+            <a:srgbClr val="1D8900">
+              <a:alpha val="9804"/>
+            </a:srgbClr>
+          </a:solidFill>
+          <a:ln w="12700">
+            <a:noFill/>
+            <a:prstDash val="dash"/>
+          </a:ln>
+        </p:spPr>
+        <p:style>
+          <a:lnRef idx="2">
+            <a:schemeClr val="accent1">
+              <a:shade val="50000"/>
+            </a:schemeClr>
+          </a:lnRef>
+          <a:fillRef idx="1">
+            <a:schemeClr val="accent1"/>
+          </a:fillRef>
+          <a:effectRef idx="0">
+            <a:schemeClr val="accent1"/>
+          </a:effectRef>
+          <a:fontRef idx="minor">
+            <a:schemeClr val="lt1"/>
+          </a:fontRef>
+        </p:style>
+        <p:txBody>
+          <a:bodyPr lIns="338328"/>
+          <a:lstStyle/>
+          <a:p>
+            <a:pPr eaLnBrk="1" fontAlgn="auto" hangingPunct="1">
+              <a:spcBef>
+                <a:spcPts val="0"/>
+              </a:spcBef>
+              <a:spcAft>
+                <a:spcPts val="0"/>
+              </a:spcAft>
+              <a:defRPr/>
+            </a:pPr>
+            <a:r>
+              <a:rPr lang="en-US" sz="1200" dirty="0">
+                <a:solidFill>
+                  <a:srgbClr val="1E8900"/>
+                </a:solidFill>
+                <a:latin typeface="Arial" panose="020B0604020202020204" pitchFamily="34" charset="0"/>
+                <a:cs typeface="Arial" panose="020B0604020202020204" pitchFamily="34" charset="0"/>
+              </a:rPr>
+              <a:t>Public subnet</a:t>
+            </a:r>
+          </a:p>
+        </p:txBody>
+      </p:sp>
+      <p:pic>
+        <p:nvPicPr>
+          <p:cNvPr id="48" name="Graphic 23">
+            <a:extLst>
+              <a:ext uri="{FF2B5EF4-FFF2-40B4-BE49-F238E27FC236}">
+                <a16:creationId xmlns:a16="http://schemas.microsoft.com/office/drawing/2014/main" id="{43BA4EF3-85AD-AC4B-BC16-83F708F8DD7A}"/>
+              </a:ext>
+            </a:extLst>
+          </p:cNvPr>
+          <p:cNvPicPr>
+            <a:picLocks noChangeAspect="1" noChangeArrowheads="1"/>
+          </p:cNvPicPr>
+          <p:nvPr/>
+        </p:nvPicPr>
+        <p:blipFill>
+          <a:blip r:embed="rId18">
+            <a:extLst>
+              <a:ext uri="{28A0092B-C50C-407E-A947-70E740481C1C}">
+                <a14:useLocalDpi xmlns:a14="http://schemas.microsoft.com/office/drawing/2010/main" val="0"/>
+              </a:ext>
+            </a:extLst>
+          </a:blip>
+          <a:srcRect/>
+          <a:stretch>
+            <a:fillRect/>
+          </a:stretch>
+        </p:blipFill>
+        <p:spPr bwMode="auto">
+          <a:xfrm>
+            <a:off x="7163225" y="2189114"/>
+            <a:ext cx="274637" cy="274638"/>
+          </a:xfrm>
+          <a:prstGeom prst="rect">
+            <a:avLst/>
+          </a:prstGeom>
+          <a:noFill/>
+          <a:ln>
+            <a:noFill/>
+          </a:ln>
+          <a:extLst>
+            <a:ext uri="{909E8E84-426E-40DD-AFC4-6F175D3DCCD1}">
+              <a14:hiddenFill xmlns:a14="http://schemas.microsoft.com/office/drawing/2010/main">
+                <a:solidFill>
+                  <a:srgbClr val="FFFFFF"/>
+                </a:solidFill>
+              </a14:hiddenFill>
+            </a:ext>
+            <a:ext uri="{91240B29-F687-4F45-9708-019B960494DF}">
+              <a14:hiddenLine xmlns:a14="http://schemas.microsoft.com/office/drawing/2010/main" w="9525">
+                <a:solidFill>
+                  <a:srgbClr val="000000"/>
+                </a:solidFill>
+                <a:miter lim="800000"/>
+                <a:headEnd/>
+                <a:tailEnd/>
+              </a14:hiddenLine>
+            </a:ext>
+          </a:extLst>
+        </p:spPr>
+      </p:pic>
+      <p:sp>
+        <p:nvSpPr>
+          <p:cNvPr id="49" name="TextBox 17">
+            <a:extLst>
+              <a:ext uri="{FF2B5EF4-FFF2-40B4-BE49-F238E27FC236}">
+                <a16:creationId xmlns:a16="http://schemas.microsoft.com/office/drawing/2014/main" id="{70E93A9B-B3E0-D24E-9DFE-BE9C66CA3837}"/>
+              </a:ext>
+            </a:extLst>
+          </p:cNvPr>
+          <p:cNvSpPr txBox="1">
+            <a:spLocks noChangeArrowheads="1"/>
+          </p:cNvSpPr>
+          <p:nvPr/>
+        </p:nvSpPr>
+        <p:spPr bwMode="auto">
+          <a:xfrm>
+            <a:off x="10022005" y="5812557"/>
+            <a:ext cx="1362074" cy="276999"/>
+          </a:xfrm>
+          <a:prstGeom prst="rect">
+            <a:avLst/>
+          </a:prstGeom>
+          <a:noFill/>
+          <a:ln>
+            <a:noFill/>
+          </a:ln>
+          <a:extLst>
+            <a:ext uri="{909E8E84-426E-40DD-AFC4-6F175D3DCCD1}">
+              <a14:hiddenFill xmlns:a14="http://schemas.microsoft.com/office/drawing/2010/main">
+                <a:solidFill>
+                  <a:srgbClr val="FFFFFF"/>
+                </a:solidFill>
+              </a14:hiddenFill>
+            </a:ext>
+            <a:ext uri="{91240B29-F687-4F45-9708-019B960494DF}">
+              <a14:hiddenLine xmlns:a14="http://schemas.microsoft.com/office/drawing/2010/main" w="9525">
+                <a:solidFill>
+                  <a:srgbClr val="000000"/>
+                </a:solidFill>
+                <a:miter lim="800000"/>
+                <a:headEnd/>
+                <a:tailEnd/>
+              </a14:hiddenLine>
+            </a:ext>
+          </a:extLst>
+        </p:spPr>
+        <p:txBody>
+          <a:bodyPr wrap="square">
+            <a:spAutoFit/>
+          </a:bodyPr>
+          <a:lstStyle>
+            <a:lvl1pPr>
+              <a:defRPr>
+                <a:solidFill>
+                  <a:schemeClr val="tx1"/>
+                </a:solidFill>
+                <a:latin typeface="Calibri" panose="020F0502020204030204" pitchFamily="34" charset="0"/>
+              </a:defRPr>
+            </a:lvl1pPr>
+            <a:lvl2pPr marL="742950" indent="-285750">
+              <a:defRPr>
+                <a:solidFill>
+                  <a:schemeClr val="tx1"/>
+                </a:solidFill>
+                <a:latin typeface="Calibri" panose="020F0502020204030204" pitchFamily="34" charset="0"/>
+              </a:defRPr>
+            </a:lvl2pPr>
+            <a:lvl3pPr marL="1143000" indent="-228600">
+              <a:defRPr>
+                <a:solidFill>
+                  <a:schemeClr val="tx1"/>
+                </a:solidFill>
+                <a:latin typeface="Calibri" panose="020F0502020204030204" pitchFamily="34" charset="0"/>
+              </a:defRPr>
+            </a:lvl3pPr>
+            <a:lvl4pPr marL="1600200" indent="-228600">
+              <a:defRPr>
+                <a:solidFill>
+                  <a:schemeClr val="tx1"/>
+                </a:solidFill>
+                <a:latin typeface="Calibri" panose="020F0502020204030204" pitchFamily="34" charset="0"/>
+              </a:defRPr>
+            </a:lvl4pPr>
+            <a:lvl5pPr marL="2057400" indent="-228600">
+              <a:defRPr>
+                <a:solidFill>
+                  <a:schemeClr val="tx1"/>
+                </a:solidFill>
+                <a:latin typeface="Calibri" panose="020F0502020204030204" pitchFamily="34" charset="0"/>
+              </a:defRPr>
+            </a:lvl5pPr>
+            <a:lvl6pPr marL="2514600" indent="-228600" eaLnBrk="0" fontAlgn="base" hangingPunct="0">
+              <a:spcBef>
+                <a:spcPct val="0"/>
+              </a:spcBef>
+              <a:spcAft>
+                <a:spcPct val="0"/>
+              </a:spcAft>
+              <a:defRPr>
+                <a:solidFill>
+                  <a:schemeClr val="tx1"/>
+                </a:solidFill>
+                <a:latin typeface="Calibri" panose="020F0502020204030204" pitchFamily="34" charset="0"/>
+              </a:defRPr>
+            </a:lvl6pPr>
+            <a:lvl7pPr marL="2971800" indent="-228600" eaLnBrk="0" fontAlgn="base" hangingPunct="0">
+              <a:spcBef>
+                <a:spcPct val="0"/>
+              </a:spcBef>
+              <a:spcAft>
+                <a:spcPct val="0"/>
+              </a:spcAft>
+              <a:defRPr>
+                <a:solidFill>
+                  <a:schemeClr val="tx1"/>
+                </a:solidFill>
+                <a:latin typeface="Calibri" panose="020F0502020204030204" pitchFamily="34" charset="0"/>
+              </a:defRPr>
+            </a:lvl7pPr>
+            <a:lvl8pPr marL="3429000" indent="-228600" eaLnBrk="0" fontAlgn="base" hangingPunct="0">
+              <a:spcBef>
+                <a:spcPct val="0"/>
+              </a:spcBef>
+              <a:spcAft>
+                <a:spcPct val="0"/>
+              </a:spcAft>
+              <a:defRPr>
+                <a:solidFill>
+                  <a:schemeClr val="tx1"/>
+                </a:solidFill>
+                <a:latin typeface="Calibri" panose="020F0502020204030204" pitchFamily="34" charset="0"/>
+              </a:defRPr>
+            </a:lvl8pPr>
+            <a:lvl9pPr marL="3886200" indent="-228600" eaLnBrk="0" fontAlgn="base" hangingPunct="0">
+              <a:spcBef>
+                <a:spcPct val="0"/>
+              </a:spcBef>
+              <a:spcAft>
+                <a:spcPct val="0"/>
+              </a:spcAft>
+              <a:defRPr>
+                <a:solidFill>
+                  <a:schemeClr val="tx1"/>
+                </a:solidFill>
+                <a:latin typeface="Calibri" panose="020F0502020204030204" pitchFamily="34" charset="0"/>
+              </a:defRPr>
+            </a:lvl9pPr>
+          </a:lstStyle>
+          <a:p>
+            <a:pPr algn="ctr" eaLnBrk="1" hangingPunct="1"/>
+            <a:r>
+              <a:rPr lang="en-US" altLang="en-US" sz="1200" dirty="0">
+                <a:latin typeface="Arial" panose="020B0604020202020204" pitchFamily="34" charset="0"/>
+                <a:ea typeface="Amazon Ember" panose="020B0603020204020204" pitchFamily="34" charset="0"/>
+                <a:cs typeface="Arial" panose="020B0604020202020204" pitchFamily="34" charset="0"/>
+              </a:rPr>
+              <a:t>Lambda function</a:t>
+            </a:r>
+          </a:p>
+        </p:txBody>
+      </p:sp>
+      <p:pic>
+        <p:nvPicPr>
+          <p:cNvPr id="50" name="Graphic 13">
+            <a:extLst>
+              <a:ext uri="{FF2B5EF4-FFF2-40B4-BE49-F238E27FC236}">
+                <a16:creationId xmlns:a16="http://schemas.microsoft.com/office/drawing/2014/main" id="{E2B9011C-C7EB-AD4B-85D7-DC979571C750}"/>
+              </a:ext>
+            </a:extLst>
+          </p:cNvPr>
+          <p:cNvPicPr>
+            <a:picLocks noChangeAspect="1" noChangeArrowheads="1"/>
+          </p:cNvPicPr>
+          <p:nvPr/>
+        </p:nvPicPr>
+        <p:blipFill>
+          <a:blip r:embed="rId19">
+            <a:extLst>
+              <a:ext uri="{28A0092B-C50C-407E-A947-70E740481C1C}">
+                <a14:useLocalDpi xmlns:a14="http://schemas.microsoft.com/office/drawing/2010/main" val="0"/>
+              </a:ext>
+            </a:extLst>
+          </a:blip>
+          <a:srcRect/>
+          <a:stretch>
+            <a:fillRect/>
+          </a:stretch>
+        </p:blipFill>
+        <p:spPr bwMode="auto">
+          <a:xfrm>
+            <a:off x="10474442" y="5289956"/>
+            <a:ext cx="457200" cy="457200"/>
+          </a:xfrm>
+          <a:prstGeom prst="rect">
+            <a:avLst/>
+          </a:prstGeom>
+          <a:noFill/>
+          <a:ln>
+            <a:noFill/>
+          </a:ln>
+          <a:extLst>
+            <a:ext uri="{909E8E84-426E-40DD-AFC4-6F175D3DCCD1}">
+              <a14:hiddenFill xmlns:a14="http://schemas.microsoft.com/office/drawing/2010/main">
+                <a:solidFill>
+                  <a:srgbClr val="FFFFFF"/>
+                </a:solidFill>
+              </a14:hiddenFill>
+            </a:ext>
+            <a:ext uri="{91240B29-F687-4F45-9708-019B960494DF}">
+              <a14:hiddenLine xmlns:a14="http://schemas.microsoft.com/office/drawing/2010/main" w="9525">
+                <a:solidFill>
+                  <a:srgbClr val="000000"/>
+                </a:solidFill>
+                <a:miter lim="800000"/>
+                <a:headEnd/>
+                <a:tailEnd/>
+              </a14:hiddenLine>
+            </a:ext>
+          </a:extLst>
         </p:spPr>
       </p:pic>
     </p:spTree>

--- a/docs/images/softing-edgeconnector-siemens-architecture-diagram.pptx
+++ b/docs/images/softing-edgeconnector-siemens-architecture-diagram.pptx
@@ -1186,7 +1186,7 @@
         <p:spPr>
           <a:xfrm>
             <a:off x="822826" y="1325526"/>
-            <a:ext cx="10783750" cy="5046921"/>
+            <a:ext cx="10783750" cy="4811927"/>
           </a:xfrm>
           <a:prstGeom prst="rect">
             <a:avLst/>
@@ -1685,10 +1685,10 @@
         </p:nvGrpSpPr>
         <p:grpSpPr>
           <a:xfrm>
-            <a:off x="9920933" y="3543551"/>
-            <a:ext cx="1651819" cy="1056001"/>
-            <a:chOff x="9958940" y="2823692"/>
-            <a:chExt cx="1651819" cy="1056001"/>
+            <a:off x="9975852" y="4502514"/>
+            <a:ext cx="1651819" cy="1086960"/>
+            <a:chOff x="9924759" y="2957843"/>
+            <a:chExt cx="1651819" cy="1086960"/>
           </a:xfrm>
         </p:grpSpPr>
         <p:sp>
@@ -1705,7 +1705,7 @@
           </p:nvSpPr>
           <p:spPr>
             <a:xfrm>
-              <a:off x="9958940" y="3602694"/>
+              <a:off x="9924759" y="3767804"/>
               <a:ext cx="1651819" cy="276999"/>
             </a:xfrm>
             <a:prstGeom prst="rect">
@@ -1759,7 +1759,7 @@
           </p:blipFill>
           <p:spPr bwMode="auto">
             <a:xfrm>
-              <a:off x="10403850" y="2823692"/>
+              <a:off x="10386135" y="2957843"/>
               <a:ext cx="762000" cy="762000"/>
             </a:xfrm>
             <a:prstGeom prst="rect">
@@ -1820,7 +1820,7 @@
         </p:blipFill>
         <p:spPr bwMode="auto">
           <a:xfrm>
-            <a:off x="5488703" y="5066932"/>
+            <a:off x="4611748" y="5025202"/>
             <a:ext cx="762000" cy="762000"/>
           </a:xfrm>
           <a:prstGeom prst="rect">
@@ -1867,8 +1867,8 @@
         </p:nvSpPr>
         <p:spPr bwMode="auto">
           <a:xfrm>
-            <a:off x="4896995" y="5822895"/>
-            <a:ext cx="2290762" cy="461665"/>
+            <a:off x="3842285" y="5824728"/>
+            <a:ext cx="2290762" cy="276999"/>
           </a:xfrm>
           <a:prstGeom prst="rect">
             <a:avLst/>
@@ -2002,13 +2002,18 @@
           <a:p>
             <a:pPr algn="ctr" eaLnBrk="1" hangingPunct="1"/>
             <a:r>
-              <a:rPr lang="en-US" altLang="en-US" sz="1200" dirty="0">
+              <a:rPr lang="en-US" altLang="en-US" sz="1200" dirty="0" smtClean="0">
                 <a:latin typeface="Arial" panose="020B0604020202020204" pitchFamily="34" charset="0"/>
                 <a:ea typeface="Amazon Ember" panose="020B0603020204020204" pitchFamily="34" charset="0"/>
                 <a:cs typeface="Arial" panose="020B0604020202020204" pitchFamily="34" charset="0"/>
               </a:rPr>
-              <a:t>Amazon Elastic Container Service (Amazon ECS)</a:t>
+              <a:t>Amazon ECS</a:t>
             </a:r>
+            <a:endParaRPr lang="en-US" altLang="en-US" sz="1200" dirty="0">
+              <a:latin typeface="Arial" panose="020B0604020202020204" pitchFamily="34" charset="0"/>
+              <a:ea typeface="Amazon Ember" panose="020B0603020204020204" pitchFamily="34" charset="0"/>
+              <a:cs typeface="Arial" panose="020B0604020202020204" pitchFamily="34" charset="0"/>
+            </a:endParaRPr>
           </a:p>
         </p:txBody>
       </p:sp>
@@ -2041,7 +2046,7 @@
         </p:blipFill>
         <p:spPr bwMode="auto">
           <a:xfrm>
-            <a:off x="3492414" y="5066932"/>
+            <a:off x="2551935" y="5026903"/>
             <a:ext cx="762000" cy="762000"/>
           </a:xfrm>
           <a:prstGeom prst="rect">
@@ -2088,8 +2093,8 @@
         </p:nvSpPr>
         <p:spPr bwMode="auto">
           <a:xfrm>
-            <a:off x="2826294" y="5806654"/>
-            <a:ext cx="2279650" cy="461665"/>
+            <a:off x="1793110" y="5823323"/>
+            <a:ext cx="2279650" cy="276999"/>
           </a:xfrm>
           <a:prstGeom prst="rect">
             <a:avLst/>
@@ -2228,8 +2233,21 @@
                 <a:ea typeface="Amazon Ember" panose="020B0603020204020204" pitchFamily="34" charset="0"/>
                 <a:cs typeface="Arial" panose="020B0604020202020204" pitchFamily="34" charset="0"/>
               </a:rPr>
-              <a:t>AWS Identity and Access Management (IAM)</a:t>
+              <a:t>AWS </a:t>
             </a:r>
+            <a:r>
+              <a:rPr lang="en-US" altLang="en-US" sz="1200" dirty="0" smtClean="0">
+                <a:latin typeface="Arial" panose="020B0604020202020204" pitchFamily="34" charset="0"/>
+                <a:ea typeface="Amazon Ember" panose="020B0603020204020204" pitchFamily="34" charset="0"/>
+                <a:cs typeface="Arial" panose="020B0604020202020204" pitchFamily="34" charset="0"/>
+              </a:rPr>
+              <a:t>IAM</a:t>
+            </a:r>
+            <a:endParaRPr lang="en-US" altLang="en-US" sz="1200" dirty="0">
+              <a:latin typeface="Arial" panose="020B0604020202020204" pitchFamily="34" charset="0"/>
+              <a:ea typeface="Amazon Ember" panose="020B0603020204020204" pitchFamily="34" charset="0"/>
+              <a:cs typeface="Arial" panose="020B0604020202020204" pitchFamily="34" charset="0"/>
+            </a:endParaRPr>
           </a:p>
         </p:txBody>
       </p:sp>
@@ -2618,227 +2636,6 @@
           </a:extLst>
         </p:spPr>
       </p:pic>
-      <p:pic>
-        <p:nvPicPr>
-          <p:cNvPr id="85" name="Graphic 5">
-            <a:extLst>
-              <a:ext uri="{FF2B5EF4-FFF2-40B4-BE49-F238E27FC236}">
-                <a16:creationId xmlns:a16="http://schemas.microsoft.com/office/drawing/2014/main" id="{38622D4A-AB16-E74E-A250-BDBAAFFAA603}"/>
-              </a:ext>
-            </a:extLst>
-          </p:cNvPr>
-          <p:cNvPicPr>
-            <a:picLocks noChangeAspect="1" noChangeArrowheads="1"/>
-          </p:cNvPicPr>
-          <p:nvPr/>
-        </p:nvPicPr>
-        <p:blipFill>
-          <a:blip r:embed="rId13">
-            <a:extLst>
-              <a:ext uri="{28A0092B-C50C-407E-A947-70E740481C1C}">
-                <a14:useLocalDpi xmlns:a14="http://schemas.microsoft.com/office/drawing/2010/main" val="0"/>
-              </a:ext>
-            </a:extLst>
-          </a:blip>
-          <a:srcRect/>
-          <a:stretch>
-            <a:fillRect/>
-          </a:stretch>
-        </p:blipFill>
-        <p:spPr bwMode="auto">
-          <a:xfrm>
-            <a:off x="1485334" y="5058588"/>
-            <a:ext cx="762000" cy="762000"/>
-          </a:xfrm>
-          <a:prstGeom prst="rect">
-            <a:avLst/>
-          </a:prstGeom>
-          <a:noFill/>
-          <a:ln>
-            <a:noFill/>
-          </a:ln>
-          <a:extLst>
-            <a:ext uri="{909E8E84-426E-40DD-AFC4-6F175D3DCCD1}">
-              <a14:hiddenFill xmlns:a14="http://schemas.microsoft.com/office/drawing/2010/main">
-                <a:solidFill>
-                  <a:srgbClr val="FFFFFF"/>
-                </a:solidFill>
-              </a14:hiddenFill>
-            </a:ext>
-            <a:ext uri="{91240B29-F687-4F45-9708-019B960494DF}">
-              <a14:hiddenLine xmlns:a14="http://schemas.microsoft.com/office/drawing/2010/main" w="9525">
-                <a:solidFill>
-                  <a:srgbClr val="000000"/>
-                </a:solidFill>
-                <a:miter lim="800000"/>
-                <a:headEnd/>
-                <a:tailEnd/>
-              </a14:hiddenLine>
-            </a:ext>
-          </a:extLst>
-        </p:spPr>
-      </p:pic>
-      <p:sp>
-        <p:nvSpPr>
-          <p:cNvPr id="86" name="TextBox 6">
-            <a:extLst>
-              <a:ext uri="{FF2B5EF4-FFF2-40B4-BE49-F238E27FC236}">
-                <a16:creationId xmlns:a16="http://schemas.microsoft.com/office/drawing/2014/main" id="{36FEB6A7-BBBF-BF4E-B09F-F70950BA7F04}"/>
-              </a:ext>
-            </a:extLst>
-          </p:cNvPr>
-          <p:cNvSpPr txBox="1">
-            <a:spLocks noChangeArrowheads="1"/>
-          </p:cNvSpPr>
-          <p:nvPr/>
-        </p:nvSpPr>
-        <p:spPr bwMode="auto">
-          <a:xfrm>
-            <a:off x="766706" y="5789894"/>
-            <a:ext cx="2268537" cy="461665"/>
-          </a:xfrm>
-          <a:prstGeom prst="rect">
-            <a:avLst/>
-          </a:prstGeom>
-          <a:noFill/>
-          <a:ln>
-            <a:noFill/>
-          </a:ln>
-          <a:extLst>
-            <a:ext uri="{909E8E84-426E-40DD-AFC4-6F175D3DCCD1}">
-              <a14:hiddenFill xmlns:a14="http://schemas.microsoft.com/office/drawing/2010/main">
-                <a:solidFill>
-                  <a:srgbClr val="FFFFFF"/>
-                </a:solidFill>
-              </a14:hiddenFill>
-            </a:ext>
-            <a:ext uri="{91240B29-F687-4F45-9708-019B960494DF}">
-              <a14:hiddenLine xmlns:a14="http://schemas.microsoft.com/office/drawing/2010/main" w="9525">
-                <a:solidFill>
-                  <a:srgbClr val="000000"/>
-                </a:solidFill>
-                <a:miter lim="800000"/>
-                <a:headEnd/>
-                <a:tailEnd/>
-              </a14:hiddenLine>
-            </a:ext>
-          </a:extLst>
-        </p:spPr>
-        <p:txBody>
-          <a:bodyPr>
-            <a:spAutoFit/>
-          </a:bodyPr>
-          <a:lstStyle>
-            <a:lvl1pPr>
-              <a:defRPr>
-                <a:solidFill>
-                  <a:schemeClr val="tx1"/>
-                </a:solidFill>
-                <a:latin typeface="Calibri" panose="020F0502020204030204" pitchFamily="34" charset="0"/>
-              </a:defRPr>
-            </a:lvl1pPr>
-            <a:lvl2pPr marL="742950" indent="-285750">
-              <a:defRPr>
-                <a:solidFill>
-                  <a:schemeClr val="tx1"/>
-                </a:solidFill>
-                <a:latin typeface="Calibri" panose="020F0502020204030204" pitchFamily="34" charset="0"/>
-              </a:defRPr>
-            </a:lvl2pPr>
-            <a:lvl3pPr marL="1143000" indent="-228600">
-              <a:defRPr>
-                <a:solidFill>
-                  <a:schemeClr val="tx1"/>
-                </a:solidFill>
-                <a:latin typeface="Calibri" panose="020F0502020204030204" pitchFamily="34" charset="0"/>
-              </a:defRPr>
-            </a:lvl3pPr>
-            <a:lvl4pPr marL="1600200" indent="-228600">
-              <a:defRPr>
-                <a:solidFill>
-                  <a:schemeClr val="tx1"/>
-                </a:solidFill>
-                <a:latin typeface="Calibri" panose="020F0502020204030204" pitchFamily="34" charset="0"/>
-              </a:defRPr>
-            </a:lvl4pPr>
-            <a:lvl5pPr marL="2057400" indent="-228600">
-              <a:defRPr>
-                <a:solidFill>
-                  <a:schemeClr val="tx1"/>
-                </a:solidFill>
-                <a:latin typeface="Calibri" panose="020F0502020204030204" pitchFamily="34" charset="0"/>
-              </a:defRPr>
-            </a:lvl5pPr>
-            <a:lvl6pPr marL="2514600" indent="-228600" eaLnBrk="0" fontAlgn="base" hangingPunct="0">
-              <a:spcBef>
-                <a:spcPct val="0"/>
-              </a:spcBef>
-              <a:spcAft>
-                <a:spcPct val="0"/>
-              </a:spcAft>
-              <a:defRPr>
-                <a:solidFill>
-                  <a:schemeClr val="tx1"/>
-                </a:solidFill>
-                <a:latin typeface="Calibri" panose="020F0502020204030204" pitchFamily="34" charset="0"/>
-              </a:defRPr>
-            </a:lvl6pPr>
-            <a:lvl7pPr marL="2971800" indent="-228600" eaLnBrk="0" fontAlgn="base" hangingPunct="0">
-              <a:spcBef>
-                <a:spcPct val="0"/>
-              </a:spcBef>
-              <a:spcAft>
-                <a:spcPct val="0"/>
-              </a:spcAft>
-              <a:defRPr>
-                <a:solidFill>
-                  <a:schemeClr val="tx1"/>
-                </a:solidFill>
-                <a:latin typeface="Calibri" panose="020F0502020204030204" pitchFamily="34" charset="0"/>
-              </a:defRPr>
-            </a:lvl7pPr>
-            <a:lvl8pPr marL="3429000" indent="-228600" eaLnBrk="0" fontAlgn="base" hangingPunct="0">
-              <a:spcBef>
-                <a:spcPct val="0"/>
-              </a:spcBef>
-              <a:spcAft>
-                <a:spcPct val="0"/>
-              </a:spcAft>
-              <a:defRPr>
-                <a:solidFill>
-                  <a:schemeClr val="tx1"/>
-                </a:solidFill>
-                <a:latin typeface="Calibri" panose="020F0502020204030204" pitchFamily="34" charset="0"/>
-              </a:defRPr>
-            </a:lvl8pPr>
-            <a:lvl9pPr marL="3886200" indent="-228600" eaLnBrk="0" fontAlgn="base" hangingPunct="0">
-              <a:spcBef>
-                <a:spcPct val="0"/>
-              </a:spcBef>
-              <a:spcAft>
-                <a:spcPct val="0"/>
-              </a:spcAft>
-              <a:defRPr>
-                <a:solidFill>
-                  <a:schemeClr val="tx1"/>
-                </a:solidFill>
-                <a:latin typeface="Calibri" panose="020F0502020204030204" pitchFamily="34" charset="0"/>
-              </a:defRPr>
-            </a:lvl9pPr>
-          </a:lstStyle>
-          <a:p>
-            <a:pPr algn="ctr" eaLnBrk="1" hangingPunct="1"/>
-            <a:r>
-              <a:rPr lang="en-US" altLang="en-US" sz="1200" dirty="0">
-                <a:latin typeface="Arial" panose="020B0604020202020204" pitchFamily="34" charset="0"/>
-                <a:ea typeface="Amazon Ember" panose="020B0603020204020204" pitchFamily="34" charset="0"/>
-                <a:cs typeface="Arial" panose="020B0604020202020204" pitchFamily="34" charset="0"/>
-              </a:rPr>
-              <a:t>Amazon Elastic Compute Cloud (Amazon EC2)</a:t>
-            </a:r>
-          </a:p>
-        </p:txBody>
-      </p:sp>
       <p:grpSp>
         <p:nvGrpSpPr>
           <p:cNvPr id="26" name="Group 25"/>
@@ -2847,10 +2644,10 @@
         </p:nvGrpSpPr>
         <p:grpSpPr>
           <a:xfrm>
-            <a:off x="9647280" y="2068716"/>
-            <a:ext cx="2243137" cy="1054019"/>
-            <a:chOff x="9663282" y="1508448"/>
-            <a:chExt cx="2243137" cy="1054019"/>
+            <a:off x="9701344" y="3034355"/>
+            <a:ext cx="2243137" cy="1070759"/>
+            <a:chOff x="9641275" y="1614528"/>
+            <a:chExt cx="2243137" cy="1070759"/>
           </a:xfrm>
         </p:grpSpPr>
         <p:pic>
@@ -2868,7 +2665,7 @@
             <p:nvPr/>
           </p:nvPicPr>
           <p:blipFill>
-            <a:blip r:embed="rId14">
+            <a:blip r:embed="rId13">
               <a:extLst>
                 <a:ext uri="{28A0092B-C50C-407E-A947-70E740481C1C}">
                   <a14:useLocalDpi xmlns:a14="http://schemas.microsoft.com/office/drawing/2010/main" val="0"/>
@@ -2882,7 +2679,7 @@
           </p:blipFill>
           <p:spPr bwMode="auto">
             <a:xfrm>
-              <a:off x="10413140" y="1508448"/>
+              <a:off x="10381843" y="1614528"/>
               <a:ext cx="762000" cy="762000"/>
             </a:xfrm>
             <a:prstGeom prst="rect">
@@ -2929,7 +2726,7 @@
           </p:nvSpPr>
           <p:spPr bwMode="auto">
             <a:xfrm>
-              <a:off x="9663282" y="2285468"/>
+              <a:off x="9641275" y="2408288"/>
               <a:ext cx="2243137" cy="276999"/>
             </a:xfrm>
             <a:prstGeom prst="rect">
@@ -3091,8 +2888,8 @@
         </p:nvSpPr>
         <p:spPr bwMode="auto">
           <a:xfrm>
-            <a:off x="8421678" y="5814893"/>
-            <a:ext cx="1809276" cy="461665"/>
+            <a:off x="7763422" y="5823323"/>
+            <a:ext cx="2148377" cy="276999"/>
           </a:xfrm>
           <a:prstGeom prst="rect">
             <a:avLst/>
@@ -3256,7 +3053,7 @@
           <p:nvPr/>
         </p:nvPicPr>
         <p:blipFill>
-          <a:blip r:embed="rId15">
+          <a:blip r:embed="rId14">
             <a:extLst>
               <a:ext uri="{28A0092B-C50C-407E-A947-70E740481C1C}">
                 <a14:useLocalDpi xmlns:a14="http://schemas.microsoft.com/office/drawing/2010/main" val="0"/>
@@ -3270,7 +3067,7 @@
         </p:blipFill>
         <p:spPr bwMode="auto">
           <a:xfrm>
-            <a:off x="8953016" y="5277833"/>
+            <a:off x="8635126" y="5167423"/>
             <a:ext cx="457200" cy="457200"/>
           </a:xfrm>
           <a:prstGeom prst="rect">
@@ -3315,7 +3112,7 @@
         </p:nvSpPr>
         <p:spPr>
           <a:xfrm>
-            <a:off x="6978808" y="5814893"/>
+            <a:off x="6128638" y="5824728"/>
             <a:ext cx="1651819" cy="276999"/>
           </a:xfrm>
           <a:prstGeom prst="rect">
@@ -3355,7 +3152,7 @@
           <p:nvPr/>
         </p:nvPicPr>
         <p:blipFill>
-          <a:blip r:embed="rId16">
+          <a:blip r:embed="rId15">
             <a:extLst>
               <a:ext uri="{28A0092B-C50C-407E-A947-70E740481C1C}">
                 <a14:useLocalDpi xmlns:a14="http://schemas.microsoft.com/office/drawing/2010/main" val="0"/>
@@ -3369,7 +3166,7 @@
         </p:blipFill>
         <p:spPr bwMode="auto">
           <a:xfrm>
-            <a:off x="7459518" y="5055753"/>
+            <a:off x="6623862" y="5026903"/>
             <a:ext cx="762000" cy="762000"/>
           </a:xfrm>
           <a:prstGeom prst="rect">
@@ -3409,7 +3206,7 @@
           <p:nvPr/>
         </p:nvPicPr>
         <p:blipFill>
-          <a:blip r:embed="rId17">
+          <a:blip r:embed="rId16">
             <a:extLst>
               <a:ext uri="{28A0092B-C50C-407E-A947-70E740481C1C}">
                 <a14:useLocalDpi xmlns:a14="http://schemas.microsoft.com/office/drawing/2010/main" val="0"/>
@@ -3517,7 +3314,7 @@
           <p:nvPr/>
         </p:nvPicPr>
         <p:blipFill>
-          <a:blip r:embed="rId18">
+          <a:blip r:embed="rId17">
             <a:extLst>
               <a:ext uri="{28A0092B-C50C-407E-A947-70E740481C1C}">
                 <a14:useLocalDpi xmlns:a14="http://schemas.microsoft.com/office/drawing/2010/main" val="0"/>
@@ -3649,7 +3446,7 @@
           <p:nvPr/>
         </p:nvPicPr>
         <p:blipFill>
-          <a:blip r:embed="rId18">
+          <a:blip r:embed="rId17">
             <a:extLst>
               <a:ext uri="{28A0092B-C50C-407E-A947-70E740481C1C}">
                 <a14:useLocalDpi xmlns:a14="http://schemas.microsoft.com/office/drawing/2010/main" val="0"/>
@@ -3710,7 +3507,7 @@
         </p:nvSpPr>
         <p:spPr bwMode="auto">
           <a:xfrm>
-            <a:off x="10022005" y="5812557"/>
+            <a:off x="10134868" y="2456627"/>
             <a:ext cx="1362074" cy="276999"/>
           </a:xfrm>
           <a:prstGeom prst="rect">
@@ -3870,7 +3667,7 @@
           <p:nvPr/>
         </p:nvPicPr>
         <p:blipFill>
-          <a:blip r:embed="rId19">
+          <a:blip r:embed="rId18">
             <a:extLst>
               <a:ext uri="{28A0092B-C50C-407E-A947-70E740481C1C}">
                 <a14:useLocalDpi xmlns:a14="http://schemas.microsoft.com/office/drawing/2010/main" val="0"/>
@@ -3884,7 +3681,7 @@
         </p:blipFill>
         <p:spPr bwMode="auto">
           <a:xfrm>
-            <a:off x="10474442" y="5289956"/>
+            <a:off x="10555414" y="1951466"/>
             <a:ext cx="457200" cy="457200"/>
           </a:xfrm>
           <a:prstGeom prst="rect">
